--- a/PrototipoCompleto.pptx
+++ b/PrototipoCompleto.pptx
@@ -113,7 +113,27 @@
       </a:defRPr>
     </a:lvl9pPr>
   </p:defaultTextStyle>
+  <p:extLst>
+    <p:ext uri="{EFAFB233-063F-42B5-8137-9DF3F51BA10A}">
+      <p15:sldGuideLst xmlns:p15="http://schemas.microsoft.com/office/powerpoint/2012/main">
+        <p15:guide id="1" orient="horz" pos="2160">
+          <p15:clr>
+            <a:srgbClr val="A4A3A4"/>
+          </p15:clr>
+        </p15:guide>
+        <p15:guide id="2" pos="2880">
+          <p15:clr>
+            <a:srgbClr val="A4A3A4"/>
+          </p15:clr>
+        </p15:guide>
+      </p15:sldGuideLst>
+    </p:ext>
+  </p:extLst>
 </p:presentation>
+</file>
+
+<file path=ppt/revisionInfo.xml><?xml version="1.0" encoding="utf-8"?>
+<p1510:revInfo xmlns:a="http://schemas.openxmlformats.org/drawingml/2006/main" xmlns:r="http://schemas.openxmlformats.org/officeDocument/2006/relationships" xmlns:p1510="http://schemas.microsoft.com/office/powerpoint/2015/10/main"/>
 </file>
 
 <file path=ppt/slideLayouts/slideLayout1.xml><?xml version="1.0" encoding="utf-8"?>
@@ -163,7 +183,7 @@
           </a:lstStyle>
           <a:p>
             <a:r>
-              <a:rPr kumimoji="0" lang="it-IT" smtClean="0"/>
+              <a:rPr kumimoji="0" lang="it-IT"/>
               <a:t>Fare clic per modificare lo stile del titolo</a:t>
             </a:r>
             <a:endParaRPr kumimoji="0" lang="en-US"/>
@@ -224,7 +244,7 @@
           </a:lstStyle>
           <a:p>
             <a:r>
-              <a:rPr kumimoji="0" lang="it-IT" smtClean="0"/>
+              <a:rPr kumimoji="0" lang="it-IT"/>
               <a:t>Fare clic per modificare lo stile del sottotitolo dello schema</a:t>
             </a:r>
             <a:endParaRPr kumimoji="0" lang="en-US"/>
@@ -253,7 +273,7 @@
           <a:p>
             <a:fld id="{2166AFCE-304B-4B51-B075-0985B4FC0D2C}" type="datetimeFigureOut">
               <a:rPr lang="it-IT" smtClean="0"/>
-              <a:t>04/12/2017</a:t>
+              <a:t>05/12/2017</a:t>
             </a:fld>
             <a:endParaRPr lang="it-IT"/>
           </a:p>
@@ -1010,13 +1030,13 @@
   <p:clrMapOvr>
     <a:overrideClrMapping bg1="lt1" tx1="dk1" bg2="lt2" tx2="dk2" accent1="accent1" accent2="accent2" accent3="accent3" accent4="accent4" accent5="accent5" accent6="accent6" hlink="hlink" folHlink="folHlink"/>
   </p:clrMapOvr>
-  <mc:AlternateContent xmlns:mc="http://schemas.openxmlformats.org/markup-compatibility/2006">
-    <mc:Choice xmlns:p14="http://schemas.microsoft.com/office/powerpoint/2010/main" Requires="p14">
+  <mc:AlternateContent xmlns:mc="http://schemas.openxmlformats.org/markup-compatibility/2006" xmlns:p14="http://schemas.microsoft.com/office/powerpoint/2010/main">
+    <mc:Choice Requires="p14">
       <p:transition spd="med" p14:dur="700">
         <p:fade/>
       </p:transition>
     </mc:Choice>
-    <mc:Fallback>
+    <mc:Fallback xmlns="">
       <p:transition spd="med">
         <p:fade/>
       </p:transition>
@@ -1058,7 +1078,7 @@
           <a:lstStyle/>
           <a:p>
             <a:r>
-              <a:rPr kumimoji="0" lang="it-IT" smtClean="0"/>
+              <a:rPr kumimoji="0" lang="it-IT"/>
               <a:t>Fare clic per modificare lo stile del titolo</a:t>
             </a:r>
             <a:endParaRPr kumimoji="0" lang="en-US"/>
@@ -1082,35 +1102,35 @@
           <a:p>
             <a:pPr lvl="0" eaLnBrk="1" latinLnBrk="0" hangingPunct="1"/>
             <a:r>
-              <a:rPr lang="it-IT" smtClean="0"/>
+              <a:rPr lang="it-IT"/>
               <a:t>Fare clic per modificare stili del testo dello schema</a:t>
             </a:r>
           </a:p>
           <a:p>
             <a:pPr lvl="1" eaLnBrk="1" latinLnBrk="0" hangingPunct="1"/>
             <a:r>
-              <a:rPr lang="it-IT" smtClean="0"/>
+              <a:rPr lang="it-IT"/>
               <a:t>Secondo livello</a:t>
             </a:r>
           </a:p>
           <a:p>
             <a:pPr lvl="2" eaLnBrk="1" latinLnBrk="0" hangingPunct="1"/>
             <a:r>
-              <a:rPr lang="it-IT" smtClean="0"/>
+              <a:rPr lang="it-IT"/>
               <a:t>Terzo livello</a:t>
             </a:r>
           </a:p>
           <a:p>
             <a:pPr lvl="3" eaLnBrk="1" latinLnBrk="0" hangingPunct="1"/>
             <a:r>
-              <a:rPr lang="it-IT" smtClean="0"/>
+              <a:rPr lang="it-IT"/>
               <a:t>Quarto livello</a:t>
             </a:r>
           </a:p>
           <a:p>
             <a:pPr lvl="4" eaLnBrk="1" latinLnBrk="0" hangingPunct="1"/>
             <a:r>
-              <a:rPr lang="it-IT" smtClean="0"/>
+              <a:rPr lang="it-IT"/>
               <a:t>Quinto livello</a:t>
             </a:r>
             <a:endParaRPr kumimoji="0" lang="en-US"/>
@@ -1134,7 +1154,7 @@
           <a:p>
             <a:fld id="{2166AFCE-304B-4B51-B075-0985B4FC0D2C}" type="datetimeFigureOut">
               <a:rPr lang="it-IT" smtClean="0"/>
-              <a:t>04/12/2017</a:t>
+              <a:t>05/12/2017</a:t>
             </a:fld>
             <a:endParaRPr lang="it-IT"/>
           </a:p>
@@ -1187,13 +1207,13 @@
   <p:clrMapOvr>
     <a:masterClrMapping/>
   </p:clrMapOvr>
-  <mc:AlternateContent xmlns:mc="http://schemas.openxmlformats.org/markup-compatibility/2006">
-    <mc:Choice xmlns:p14="http://schemas.microsoft.com/office/powerpoint/2010/main" Requires="p14">
+  <mc:AlternateContent xmlns:mc="http://schemas.openxmlformats.org/markup-compatibility/2006" xmlns:p14="http://schemas.microsoft.com/office/powerpoint/2010/main">
+    <mc:Choice Requires="p14">
       <p:transition spd="med" p14:dur="700">
         <p:fade/>
       </p:transition>
     </mc:Choice>
-    <mc:Fallback>
+    <mc:Fallback xmlns="">
       <p:transition spd="med">
         <p:fade/>
       </p:transition>
@@ -1240,7 +1260,7 @@
           <a:lstStyle/>
           <a:p>
             <a:r>
-              <a:rPr kumimoji="0" lang="it-IT" smtClean="0"/>
+              <a:rPr kumimoji="0" lang="it-IT"/>
               <a:t>Fare clic per modificare lo stile del titolo</a:t>
             </a:r>
             <a:endParaRPr kumimoji="0" lang="en-US"/>
@@ -1269,35 +1289,35 @@
           <a:p>
             <a:pPr lvl="0" eaLnBrk="1" latinLnBrk="0" hangingPunct="1"/>
             <a:r>
-              <a:rPr lang="it-IT" smtClean="0"/>
+              <a:rPr lang="it-IT"/>
               <a:t>Fare clic per modificare stili del testo dello schema</a:t>
             </a:r>
           </a:p>
           <a:p>
             <a:pPr lvl="1" eaLnBrk="1" latinLnBrk="0" hangingPunct="1"/>
             <a:r>
-              <a:rPr lang="it-IT" smtClean="0"/>
+              <a:rPr lang="it-IT"/>
               <a:t>Secondo livello</a:t>
             </a:r>
           </a:p>
           <a:p>
             <a:pPr lvl="2" eaLnBrk="1" latinLnBrk="0" hangingPunct="1"/>
             <a:r>
-              <a:rPr lang="it-IT" smtClean="0"/>
+              <a:rPr lang="it-IT"/>
               <a:t>Terzo livello</a:t>
             </a:r>
           </a:p>
           <a:p>
             <a:pPr lvl="3" eaLnBrk="1" latinLnBrk="0" hangingPunct="1"/>
             <a:r>
-              <a:rPr lang="it-IT" smtClean="0"/>
+              <a:rPr lang="it-IT"/>
               <a:t>Quarto livello</a:t>
             </a:r>
           </a:p>
           <a:p>
             <a:pPr lvl="4" eaLnBrk="1" latinLnBrk="0" hangingPunct="1"/>
             <a:r>
-              <a:rPr lang="it-IT" smtClean="0"/>
+              <a:rPr lang="it-IT"/>
               <a:t>Quinto livello</a:t>
             </a:r>
             <a:endParaRPr kumimoji="0" lang="en-US"/>
@@ -1321,7 +1341,7 @@
           <a:p>
             <a:fld id="{2166AFCE-304B-4B51-B075-0985B4FC0D2C}" type="datetimeFigureOut">
               <a:rPr lang="it-IT" smtClean="0"/>
-              <a:t>04/12/2017</a:t>
+              <a:t>05/12/2017</a:t>
             </a:fld>
             <a:endParaRPr lang="it-IT"/>
           </a:p>
@@ -1374,13 +1394,13 @@
   <p:clrMapOvr>
     <a:masterClrMapping/>
   </p:clrMapOvr>
-  <mc:AlternateContent xmlns:mc="http://schemas.openxmlformats.org/markup-compatibility/2006">
-    <mc:Choice xmlns:p14="http://schemas.microsoft.com/office/powerpoint/2010/main" Requires="p14">
+  <mc:AlternateContent xmlns:mc="http://schemas.openxmlformats.org/markup-compatibility/2006" xmlns:p14="http://schemas.microsoft.com/office/powerpoint/2010/main">
+    <mc:Choice Requires="p14">
       <p:transition spd="med" p14:dur="700">
         <p:fade/>
       </p:transition>
     </mc:Choice>
-    <mc:Fallback>
+    <mc:Fallback xmlns="">
       <p:transition spd="med">
         <p:fade/>
       </p:transition>
@@ -1422,7 +1442,7 @@
           <a:lstStyle/>
           <a:p>
             <a:r>
-              <a:rPr kumimoji="0" lang="it-IT" smtClean="0"/>
+              <a:rPr kumimoji="0" lang="it-IT"/>
               <a:t>Fare clic per modificare lo stile del titolo</a:t>
             </a:r>
             <a:endParaRPr kumimoji="0" lang="en-US"/>
@@ -1451,35 +1471,35 @@
           <a:p>
             <a:pPr lvl="0" eaLnBrk="1" latinLnBrk="0" hangingPunct="1"/>
             <a:r>
-              <a:rPr lang="it-IT" smtClean="0"/>
+              <a:rPr lang="it-IT"/>
               <a:t>Fare clic per modificare stili del testo dello schema</a:t>
             </a:r>
           </a:p>
           <a:p>
             <a:pPr lvl="1" eaLnBrk="1" latinLnBrk="0" hangingPunct="1"/>
             <a:r>
-              <a:rPr lang="it-IT" smtClean="0"/>
+              <a:rPr lang="it-IT"/>
               <a:t>Secondo livello</a:t>
             </a:r>
           </a:p>
           <a:p>
             <a:pPr lvl="2" eaLnBrk="1" latinLnBrk="0" hangingPunct="1"/>
             <a:r>
-              <a:rPr lang="it-IT" smtClean="0"/>
+              <a:rPr lang="it-IT"/>
               <a:t>Terzo livello</a:t>
             </a:r>
           </a:p>
           <a:p>
             <a:pPr lvl="3" eaLnBrk="1" latinLnBrk="0" hangingPunct="1"/>
             <a:r>
-              <a:rPr lang="it-IT" smtClean="0"/>
+              <a:rPr lang="it-IT"/>
               <a:t>Quarto livello</a:t>
             </a:r>
           </a:p>
           <a:p>
             <a:pPr lvl="4" eaLnBrk="1" latinLnBrk="0" hangingPunct="1"/>
             <a:r>
-              <a:rPr lang="it-IT" smtClean="0"/>
+              <a:rPr lang="it-IT"/>
               <a:t>Quinto livello</a:t>
             </a:r>
             <a:endParaRPr kumimoji="0" lang="en-US"/>
@@ -1503,7 +1523,7 @@
           <a:p>
             <a:fld id="{2166AFCE-304B-4B51-B075-0985B4FC0D2C}" type="datetimeFigureOut">
               <a:rPr lang="it-IT" smtClean="0"/>
-              <a:t>04/12/2017</a:t>
+              <a:t>05/12/2017</a:t>
             </a:fld>
             <a:endParaRPr lang="it-IT"/>
           </a:p>
@@ -1556,13 +1576,13 @@
   <p:clrMapOvr>
     <a:masterClrMapping/>
   </p:clrMapOvr>
-  <mc:AlternateContent xmlns:mc="http://schemas.openxmlformats.org/markup-compatibility/2006">
-    <mc:Choice xmlns:p14="http://schemas.microsoft.com/office/powerpoint/2010/main" Requires="p14">
+  <mc:AlternateContent xmlns:mc="http://schemas.openxmlformats.org/markup-compatibility/2006" xmlns:p14="http://schemas.microsoft.com/office/powerpoint/2010/main">
+    <mc:Choice Requires="p14">
       <p:transition spd="med" p14:dur="700">
         <p:fade/>
       </p:transition>
     </mc:Choice>
-    <mc:Fallback>
+    <mc:Fallback xmlns="">
       <p:transition spd="med">
         <p:fade/>
       </p:transition>
@@ -1619,7 +1639,7 @@
           </a:lstStyle>
           <a:p>
             <a:r>
-              <a:rPr kumimoji="0" lang="it-IT" smtClean="0"/>
+              <a:rPr kumimoji="0" lang="it-IT"/>
               <a:t>Fare clic per modificare lo stile del titolo</a:t>
             </a:r>
             <a:endParaRPr kumimoji="0" lang="en-US"/>
@@ -1697,7 +1717,7 @@
           <a:p>
             <a:pPr lvl="0" eaLnBrk="1" latinLnBrk="0" hangingPunct="1"/>
             <a:r>
-              <a:rPr kumimoji="0" lang="it-IT" smtClean="0"/>
+              <a:rPr kumimoji="0" lang="it-IT"/>
               <a:t>Fare clic per modificare stili del testo dello schema</a:t>
             </a:r>
           </a:p>
@@ -1725,7 +1745,7 @@
           <a:p>
             <a:fld id="{2166AFCE-304B-4B51-B075-0985B4FC0D2C}" type="datetimeFigureOut">
               <a:rPr lang="it-IT" smtClean="0"/>
-              <a:t>04/12/2017</a:t>
+              <a:t>05/12/2017</a:t>
             </a:fld>
             <a:endParaRPr lang="it-IT"/>
           </a:p>
@@ -2479,13 +2499,13 @@
   <p:clrMapOvr>
     <a:overrideClrMapping bg1="dk1" tx1="lt1" bg2="dk2" tx2="lt2" accent1="accent1" accent2="accent2" accent3="accent3" accent4="accent4" accent5="accent5" accent6="accent6" hlink="hlink" folHlink="folHlink"/>
   </p:clrMapOvr>
-  <mc:AlternateContent xmlns:mc="http://schemas.openxmlformats.org/markup-compatibility/2006">
-    <mc:Choice xmlns:p14="http://schemas.microsoft.com/office/powerpoint/2010/main" Requires="p14">
+  <mc:AlternateContent xmlns:mc="http://schemas.openxmlformats.org/markup-compatibility/2006" xmlns:p14="http://schemas.microsoft.com/office/powerpoint/2010/main">
+    <mc:Choice Requires="p14">
       <p:transition spd="med" p14:dur="700">
         <p:fade/>
       </p:transition>
     </mc:Choice>
-    <mc:Fallback>
+    <mc:Fallback xmlns="">
       <p:transition spd="med">
         <p:fade/>
       </p:transition>
@@ -2527,7 +2547,7 @@
           <a:lstStyle/>
           <a:p>
             <a:r>
-              <a:rPr kumimoji="0" lang="it-IT" smtClean="0"/>
+              <a:rPr kumimoji="0" lang="it-IT"/>
               <a:t>Fare clic per modificare lo stile del titolo</a:t>
             </a:r>
             <a:endParaRPr kumimoji="0" lang="en-US"/>
@@ -2551,7 +2571,7 @@
           <a:p>
             <a:fld id="{2166AFCE-304B-4B51-B075-0985B4FC0D2C}" type="datetimeFigureOut">
               <a:rPr lang="it-IT" smtClean="0"/>
-              <a:t>04/12/2017</a:t>
+              <a:t>05/12/2017</a:t>
             </a:fld>
             <a:endParaRPr lang="it-IT"/>
           </a:p>
@@ -2621,35 +2641,35 @@
           <a:p>
             <a:pPr lvl="0" eaLnBrk="1" latinLnBrk="0" hangingPunct="1"/>
             <a:r>
-              <a:rPr lang="it-IT" smtClean="0"/>
+              <a:rPr lang="it-IT"/>
               <a:t>Fare clic per modificare stili del testo dello schema</a:t>
             </a:r>
           </a:p>
           <a:p>
             <a:pPr lvl="1" eaLnBrk="1" latinLnBrk="0" hangingPunct="1"/>
             <a:r>
-              <a:rPr lang="it-IT" smtClean="0"/>
+              <a:rPr lang="it-IT"/>
               <a:t>Secondo livello</a:t>
             </a:r>
           </a:p>
           <a:p>
             <a:pPr lvl="2" eaLnBrk="1" latinLnBrk="0" hangingPunct="1"/>
             <a:r>
-              <a:rPr lang="it-IT" smtClean="0"/>
+              <a:rPr lang="it-IT"/>
               <a:t>Terzo livello</a:t>
             </a:r>
           </a:p>
           <a:p>
             <a:pPr lvl="3" eaLnBrk="1" latinLnBrk="0" hangingPunct="1"/>
             <a:r>
-              <a:rPr lang="it-IT" smtClean="0"/>
+              <a:rPr lang="it-IT"/>
               <a:t>Quarto livello</a:t>
             </a:r>
           </a:p>
           <a:p>
             <a:pPr lvl="4" eaLnBrk="1" latinLnBrk="0" hangingPunct="1"/>
             <a:r>
-              <a:rPr lang="it-IT" smtClean="0"/>
+              <a:rPr lang="it-IT"/>
               <a:t>Quinto livello</a:t>
             </a:r>
             <a:endParaRPr kumimoji="0" lang="en-US"/>
@@ -2678,35 +2698,35 @@
           <a:p>
             <a:pPr lvl="0" eaLnBrk="1" latinLnBrk="0" hangingPunct="1"/>
             <a:r>
-              <a:rPr lang="it-IT" smtClean="0"/>
+              <a:rPr lang="it-IT"/>
               <a:t>Fare clic per modificare stili del testo dello schema</a:t>
             </a:r>
           </a:p>
           <a:p>
             <a:pPr lvl="1" eaLnBrk="1" latinLnBrk="0" hangingPunct="1"/>
             <a:r>
-              <a:rPr lang="it-IT" smtClean="0"/>
+              <a:rPr lang="it-IT"/>
               <a:t>Secondo livello</a:t>
             </a:r>
           </a:p>
           <a:p>
             <a:pPr lvl="2" eaLnBrk="1" latinLnBrk="0" hangingPunct="1"/>
             <a:r>
-              <a:rPr lang="it-IT" smtClean="0"/>
+              <a:rPr lang="it-IT"/>
               <a:t>Terzo livello</a:t>
             </a:r>
           </a:p>
           <a:p>
             <a:pPr lvl="3" eaLnBrk="1" latinLnBrk="0" hangingPunct="1"/>
             <a:r>
-              <a:rPr lang="it-IT" smtClean="0"/>
+              <a:rPr lang="it-IT"/>
               <a:t>Quarto livello</a:t>
             </a:r>
           </a:p>
           <a:p>
             <a:pPr lvl="4" eaLnBrk="1" latinLnBrk="0" hangingPunct="1"/>
             <a:r>
-              <a:rPr lang="it-IT" smtClean="0"/>
+              <a:rPr lang="it-IT"/>
               <a:t>Quinto livello</a:t>
             </a:r>
             <a:endParaRPr kumimoji="0" lang="en-US"/>
@@ -2718,13 +2738,13 @@
   <p:clrMapOvr>
     <a:masterClrMapping/>
   </p:clrMapOvr>
-  <mc:AlternateContent xmlns:mc="http://schemas.openxmlformats.org/markup-compatibility/2006">
-    <mc:Choice xmlns:p14="http://schemas.microsoft.com/office/powerpoint/2010/main" Requires="p14">
+  <mc:AlternateContent xmlns:mc="http://schemas.openxmlformats.org/markup-compatibility/2006" xmlns:p14="http://schemas.microsoft.com/office/powerpoint/2010/main">
+    <mc:Choice Requires="p14">
       <p:transition spd="med" p14:dur="700">
         <p:fade/>
       </p:transition>
     </mc:Choice>
-    <mc:Fallback>
+    <mc:Fallback xmlns="">
       <p:transition spd="med">
         <p:fade/>
       </p:transition>
@@ -2775,7 +2795,7 @@
           </a:lstStyle>
           <a:p>
             <a:r>
-              <a:rPr kumimoji="0" lang="it-IT" smtClean="0"/>
+              <a:rPr kumimoji="0" lang="it-IT"/>
               <a:t>Fare clic per modificare lo stile del titolo</a:t>
             </a:r>
             <a:endParaRPr kumimoji="0" lang="en-US"/>
@@ -2799,7 +2819,7 @@
           <a:p>
             <a:fld id="{2166AFCE-304B-4B51-B075-0985B4FC0D2C}" type="datetimeFigureOut">
               <a:rPr lang="it-IT" smtClean="0"/>
-              <a:t>04/12/2017</a:t>
+              <a:t>05/12/2017</a:t>
             </a:fld>
             <a:endParaRPr lang="it-IT"/>
           </a:p>
@@ -2869,35 +2889,35 @@
           <a:p>
             <a:pPr lvl="0" eaLnBrk="1" latinLnBrk="0" hangingPunct="1"/>
             <a:r>
-              <a:rPr lang="it-IT" smtClean="0"/>
+              <a:rPr lang="it-IT"/>
               <a:t>Fare clic per modificare stili del testo dello schema</a:t>
             </a:r>
           </a:p>
           <a:p>
             <a:pPr lvl="1" eaLnBrk="1" latinLnBrk="0" hangingPunct="1"/>
             <a:r>
-              <a:rPr lang="it-IT" smtClean="0"/>
+              <a:rPr lang="it-IT"/>
               <a:t>Secondo livello</a:t>
             </a:r>
           </a:p>
           <a:p>
             <a:pPr lvl="2" eaLnBrk="1" latinLnBrk="0" hangingPunct="1"/>
             <a:r>
-              <a:rPr lang="it-IT" smtClean="0"/>
+              <a:rPr lang="it-IT"/>
               <a:t>Terzo livello</a:t>
             </a:r>
           </a:p>
           <a:p>
             <a:pPr lvl="3" eaLnBrk="1" latinLnBrk="0" hangingPunct="1"/>
             <a:r>
-              <a:rPr lang="it-IT" smtClean="0"/>
+              <a:rPr lang="it-IT"/>
               <a:t>Quarto livello</a:t>
             </a:r>
           </a:p>
           <a:p>
             <a:pPr lvl="4" eaLnBrk="1" latinLnBrk="0" hangingPunct="1"/>
             <a:r>
-              <a:rPr lang="it-IT" smtClean="0"/>
+              <a:rPr lang="it-IT"/>
               <a:t>Quinto livello</a:t>
             </a:r>
             <a:endParaRPr kumimoji="0" lang="en-US"/>
@@ -2926,35 +2946,35 @@
           <a:p>
             <a:pPr lvl="0" eaLnBrk="1" latinLnBrk="0" hangingPunct="1"/>
             <a:r>
-              <a:rPr lang="it-IT" smtClean="0"/>
+              <a:rPr lang="it-IT"/>
               <a:t>Fare clic per modificare stili del testo dello schema</a:t>
             </a:r>
           </a:p>
           <a:p>
             <a:pPr lvl="1" eaLnBrk="1" latinLnBrk="0" hangingPunct="1"/>
             <a:r>
-              <a:rPr lang="it-IT" smtClean="0"/>
+              <a:rPr lang="it-IT"/>
               <a:t>Secondo livello</a:t>
             </a:r>
           </a:p>
           <a:p>
             <a:pPr lvl="2" eaLnBrk="1" latinLnBrk="0" hangingPunct="1"/>
             <a:r>
-              <a:rPr lang="it-IT" smtClean="0"/>
+              <a:rPr lang="it-IT"/>
               <a:t>Terzo livello</a:t>
             </a:r>
           </a:p>
           <a:p>
             <a:pPr lvl="3" eaLnBrk="1" latinLnBrk="0" hangingPunct="1"/>
             <a:r>
-              <a:rPr lang="it-IT" smtClean="0"/>
+              <a:rPr lang="it-IT"/>
               <a:t>Quarto livello</a:t>
             </a:r>
           </a:p>
           <a:p>
             <a:pPr lvl="4" eaLnBrk="1" latinLnBrk="0" hangingPunct="1"/>
             <a:r>
-              <a:rPr lang="it-IT" smtClean="0"/>
+              <a:rPr lang="it-IT"/>
               <a:t>Quinto livello</a:t>
             </a:r>
             <a:endParaRPr kumimoji="0" lang="en-US"/>
@@ -3003,7 +3023,7 @@
           <a:p>
             <a:pPr lvl="0" eaLnBrk="1" latinLnBrk="0" hangingPunct="1"/>
             <a:r>
-              <a:rPr kumimoji="0" lang="it-IT" smtClean="0"/>
+              <a:rPr kumimoji="0" lang="it-IT"/>
               <a:t>Fare clic per modificare stili del testo dello schema</a:t>
             </a:r>
           </a:p>
@@ -3051,7 +3071,7 @@
           <a:p>
             <a:pPr lvl="0" eaLnBrk="1" latinLnBrk="0" hangingPunct="1"/>
             <a:r>
-              <a:rPr kumimoji="0" lang="it-IT" smtClean="0"/>
+              <a:rPr kumimoji="0" lang="it-IT"/>
               <a:t>Fare clic per modificare stili del testo dello schema</a:t>
             </a:r>
           </a:p>
@@ -3062,13 +3082,13 @@
   <p:clrMapOvr>
     <a:masterClrMapping/>
   </p:clrMapOvr>
-  <mc:AlternateContent xmlns:mc="http://schemas.openxmlformats.org/markup-compatibility/2006">
-    <mc:Choice xmlns:p14="http://schemas.microsoft.com/office/powerpoint/2010/main" Requires="p14">
+  <mc:AlternateContent xmlns:mc="http://schemas.openxmlformats.org/markup-compatibility/2006" xmlns:p14="http://schemas.microsoft.com/office/powerpoint/2010/main">
+    <mc:Choice Requires="p14">
       <p:transition spd="med" p14:dur="700">
         <p:fade/>
       </p:transition>
     </mc:Choice>
-    <mc:Fallback>
+    <mc:Fallback xmlns="">
       <p:transition spd="med">
         <p:fade/>
       </p:transition>
@@ -3110,7 +3130,7 @@
           <a:lstStyle/>
           <a:p>
             <a:r>
-              <a:rPr kumimoji="0" lang="it-IT" smtClean="0"/>
+              <a:rPr kumimoji="0" lang="it-IT"/>
               <a:t>Fare clic per modificare lo stile del titolo</a:t>
             </a:r>
             <a:endParaRPr kumimoji="0" lang="en-US"/>
@@ -3134,7 +3154,7 @@
           <a:p>
             <a:fld id="{2166AFCE-304B-4B51-B075-0985B4FC0D2C}" type="datetimeFigureOut">
               <a:rPr lang="it-IT" smtClean="0"/>
-              <a:t>04/12/2017</a:t>
+              <a:t>05/12/2017</a:t>
             </a:fld>
             <a:endParaRPr lang="it-IT"/>
           </a:p>
@@ -3187,13 +3207,13 @@
   <p:clrMapOvr>
     <a:masterClrMapping/>
   </p:clrMapOvr>
-  <mc:AlternateContent xmlns:mc="http://schemas.openxmlformats.org/markup-compatibility/2006">
-    <mc:Choice xmlns:p14="http://schemas.microsoft.com/office/powerpoint/2010/main" Requires="p14">
+  <mc:AlternateContent xmlns:mc="http://schemas.openxmlformats.org/markup-compatibility/2006" xmlns:p14="http://schemas.microsoft.com/office/powerpoint/2010/main">
+    <mc:Choice Requires="p14">
       <p:transition spd="med" p14:dur="700">
         <p:fade/>
       </p:transition>
     </mc:Choice>
-    <mc:Fallback>
+    <mc:Fallback xmlns="">
       <p:transition spd="med">
         <p:fade/>
       </p:transition>
@@ -3236,7 +3256,7 @@
           <a:p>
             <a:fld id="{2166AFCE-304B-4B51-B075-0985B4FC0D2C}" type="datetimeFigureOut">
               <a:rPr lang="it-IT" smtClean="0"/>
-              <a:t>04/12/2017</a:t>
+              <a:t>05/12/2017</a:t>
             </a:fld>
             <a:endParaRPr lang="it-IT"/>
           </a:p>
@@ -3289,13 +3309,13 @@
   <p:clrMapOvr>
     <a:masterClrMapping/>
   </p:clrMapOvr>
-  <mc:AlternateContent xmlns:mc="http://schemas.openxmlformats.org/markup-compatibility/2006">
-    <mc:Choice xmlns:p14="http://schemas.microsoft.com/office/powerpoint/2010/main" Requires="p14">
+  <mc:AlternateContent xmlns:mc="http://schemas.openxmlformats.org/markup-compatibility/2006" xmlns:p14="http://schemas.microsoft.com/office/powerpoint/2010/main">
+    <mc:Choice Requires="p14">
       <p:transition spd="med" p14:dur="700">
         <p:fade/>
       </p:transition>
     </mc:Choice>
-    <mc:Fallback>
+    <mc:Fallback xmlns="">
       <p:transition spd="med">
         <p:fade/>
       </p:transition>
@@ -3391,7 +3411,7 @@
           </a:lstStyle>
           <a:p>
             <a:r>
-              <a:rPr kumimoji="0" lang="it-IT" smtClean="0"/>
+              <a:rPr kumimoji="0" lang="it-IT"/>
               <a:t>Fare clic per modificare lo stile del titolo</a:t>
             </a:r>
             <a:endParaRPr kumimoji="0" lang="en-US"/>
@@ -3447,7 +3467,7 @@
           <a:p>
             <a:pPr lvl="0" eaLnBrk="1" latinLnBrk="0" hangingPunct="1"/>
             <a:r>
-              <a:rPr kumimoji="0" lang="it-IT" smtClean="0"/>
+              <a:rPr kumimoji="0" lang="it-IT"/>
               <a:t>Fare clic per modificare stili del testo dello schema</a:t>
             </a:r>
           </a:p>
@@ -3713,35 +3733,35 @@
           <a:p>
             <a:pPr lvl="0" eaLnBrk="1" latinLnBrk="0" hangingPunct="1"/>
             <a:r>
-              <a:rPr lang="it-IT" smtClean="0"/>
+              <a:rPr lang="it-IT"/>
               <a:t>Fare clic per modificare stili del testo dello schema</a:t>
             </a:r>
           </a:p>
           <a:p>
             <a:pPr lvl="1" eaLnBrk="1" latinLnBrk="0" hangingPunct="1"/>
             <a:r>
-              <a:rPr lang="it-IT" smtClean="0"/>
+              <a:rPr lang="it-IT"/>
               <a:t>Secondo livello</a:t>
             </a:r>
           </a:p>
           <a:p>
             <a:pPr lvl="2" eaLnBrk="1" latinLnBrk="0" hangingPunct="1"/>
             <a:r>
-              <a:rPr lang="it-IT" smtClean="0"/>
+              <a:rPr lang="it-IT"/>
               <a:t>Terzo livello</a:t>
             </a:r>
           </a:p>
           <a:p>
             <a:pPr lvl="3" eaLnBrk="1" latinLnBrk="0" hangingPunct="1"/>
             <a:r>
-              <a:rPr lang="it-IT" smtClean="0"/>
+              <a:rPr lang="it-IT"/>
               <a:t>Quarto livello</a:t>
             </a:r>
           </a:p>
           <a:p>
             <a:pPr lvl="4" eaLnBrk="1" latinLnBrk="0" hangingPunct="1"/>
             <a:r>
-              <a:rPr lang="it-IT" smtClean="0"/>
+              <a:rPr lang="it-IT"/>
               <a:t>Quinto livello</a:t>
             </a:r>
             <a:endParaRPr kumimoji="0" lang="en-US"/>
@@ -3765,7 +3785,7 @@
           <a:p>
             <a:fld id="{2166AFCE-304B-4B51-B075-0985B4FC0D2C}" type="datetimeFigureOut">
               <a:rPr lang="it-IT" smtClean="0"/>
-              <a:t>04/12/2017</a:t>
+              <a:t>05/12/2017</a:t>
             </a:fld>
             <a:endParaRPr lang="it-IT"/>
           </a:p>
@@ -3818,13 +3838,13 @@
   <p:clrMapOvr>
     <a:overrideClrMapping bg1="lt1" tx1="dk1" bg2="lt2" tx2="dk2" accent1="accent1" accent2="accent2" accent3="accent3" accent4="accent4" accent5="accent5" accent6="accent6" hlink="hlink" folHlink="folHlink"/>
   </p:clrMapOvr>
-  <mc:AlternateContent xmlns:mc="http://schemas.openxmlformats.org/markup-compatibility/2006">
-    <mc:Choice xmlns:p14="http://schemas.microsoft.com/office/powerpoint/2010/main" Requires="p14">
+  <mc:AlternateContent xmlns:mc="http://schemas.openxmlformats.org/markup-compatibility/2006" xmlns:p14="http://schemas.microsoft.com/office/powerpoint/2010/main">
+    <mc:Choice Requires="p14">
       <p:transition spd="med" p14:dur="700">
         <p:fade/>
       </p:transition>
     </mc:Choice>
-    <mc:Fallback>
+    <mc:Fallback xmlns="">
       <p:transition spd="med">
         <p:fade/>
       </p:transition>
@@ -3957,7 +3977,7 @@
           </a:lstStyle>
           <a:p>
             <a:r>
-              <a:rPr kumimoji="0" lang="it-IT" smtClean="0"/>
+              <a:rPr kumimoji="0" lang="it-IT"/>
               <a:t>Fare clic per modificare lo stile del titolo</a:t>
             </a:r>
             <a:endParaRPr kumimoji="0" lang="en-US"/>
@@ -4016,7 +4036,7 @@
               <a:buNone/>
             </a:pPr>
             <a:r>
-              <a:rPr kumimoji="0" lang="it-IT" smtClean="0"/>
+              <a:rPr kumimoji="0" lang="it-IT"/>
               <a:t>Fare clic sull'icona per inserire un'immagine</a:t>
             </a:r>
             <a:endParaRPr kumimoji="0" lang="en-US" dirty="0"/>
@@ -4071,7 +4091,7 @@
           <a:p>
             <a:pPr lvl="0" eaLnBrk="1" latinLnBrk="0" hangingPunct="1"/>
             <a:r>
-              <a:rPr kumimoji="0" lang="it-IT" smtClean="0"/>
+              <a:rPr kumimoji="0" lang="it-IT"/>
               <a:t>Fare clic per modificare stili del testo dello schema</a:t>
             </a:r>
           </a:p>
@@ -4288,7 +4308,7 @@
           <a:p>
             <a:fld id="{2166AFCE-304B-4B51-B075-0985B4FC0D2C}" type="datetimeFigureOut">
               <a:rPr lang="it-IT" smtClean="0"/>
-              <a:t>04/12/2017</a:t>
+              <a:t>05/12/2017</a:t>
             </a:fld>
             <a:endParaRPr lang="it-IT"/>
           </a:p>
@@ -4341,13 +4361,13 @@
   <p:clrMapOvr>
     <a:masterClrMapping/>
   </p:clrMapOvr>
-  <mc:AlternateContent xmlns:mc="http://schemas.openxmlformats.org/markup-compatibility/2006">
-    <mc:Choice xmlns:p14="http://schemas.microsoft.com/office/powerpoint/2010/main" Requires="p14">
+  <mc:AlternateContent xmlns:mc="http://schemas.openxmlformats.org/markup-compatibility/2006" xmlns:p14="http://schemas.microsoft.com/office/powerpoint/2010/main">
+    <mc:Choice Requires="p14">
       <p:transition spd="med" p14:dur="700">
         <p:fade/>
       </p:transition>
     </mc:Choice>
-    <mc:Fallback>
+    <mc:Fallback xmlns="">
       <p:transition spd="med">
         <p:fade/>
       </p:transition>
@@ -4443,7 +4463,7 @@
           <a:lstStyle/>
           <a:p>
             <a:r>
-              <a:rPr kumimoji="0" lang="it-IT" smtClean="0"/>
+              <a:rPr kumimoji="0" lang="it-IT"/>
               <a:t>Fare clic per modificare lo stile del titolo</a:t>
             </a:r>
             <a:endParaRPr kumimoji="0" lang="en-US"/>
@@ -4477,35 +4497,35 @@
           <a:p>
             <a:pPr lvl="0" eaLnBrk="1" latinLnBrk="0" hangingPunct="1"/>
             <a:r>
-              <a:rPr kumimoji="0" lang="it-IT" smtClean="0"/>
+              <a:rPr kumimoji="0" lang="it-IT"/>
               <a:t>Fare clic per modificare stili del testo dello schema</a:t>
             </a:r>
           </a:p>
           <a:p>
             <a:pPr lvl="1" eaLnBrk="1" latinLnBrk="0" hangingPunct="1"/>
             <a:r>
-              <a:rPr kumimoji="0" lang="it-IT" smtClean="0"/>
+              <a:rPr kumimoji="0" lang="it-IT"/>
               <a:t>Secondo livello</a:t>
             </a:r>
           </a:p>
           <a:p>
             <a:pPr lvl="2" eaLnBrk="1" latinLnBrk="0" hangingPunct="1"/>
             <a:r>
-              <a:rPr kumimoji="0" lang="it-IT" smtClean="0"/>
+              <a:rPr kumimoji="0" lang="it-IT"/>
               <a:t>Terzo livello</a:t>
             </a:r>
           </a:p>
           <a:p>
             <a:pPr lvl="3" eaLnBrk="1" latinLnBrk="0" hangingPunct="1"/>
             <a:r>
-              <a:rPr kumimoji="0" lang="it-IT" smtClean="0"/>
+              <a:rPr kumimoji="0" lang="it-IT"/>
               <a:t>Quarto livello</a:t>
             </a:r>
           </a:p>
           <a:p>
             <a:pPr lvl="4" eaLnBrk="1" latinLnBrk="0" hangingPunct="1"/>
             <a:r>
-              <a:rPr kumimoji="0" lang="it-IT" smtClean="0"/>
+              <a:rPr kumimoji="0" lang="it-IT"/>
               <a:t>Quinto livello</a:t>
             </a:r>
             <a:endParaRPr kumimoji="0" lang="en-US"/>
@@ -4545,7 +4565,7 @@
           <a:p>
             <a:fld id="{2166AFCE-304B-4B51-B075-0985B4FC0D2C}" type="datetimeFigureOut">
               <a:rPr lang="it-IT" smtClean="0"/>
-              <a:t>04/12/2017</a:t>
+              <a:t>05/12/2017</a:t>
             </a:fld>
             <a:endParaRPr lang="it-IT"/>
           </a:p>
@@ -4843,13 +4863,13 @@
     <p:sldLayoutId id="2147483994" r:id="rId10"/>
     <p:sldLayoutId id="2147483995" r:id="rId11"/>
   </p:sldLayoutIdLst>
-  <mc:AlternateContent xmlns:mc="http://schemas.openxmlformats.org/markup-compatibility/2006">
-    <mc:Choice xmlns:p14="http://schemas.microsoft.com/office/powerpoint/2010/main" Requires="p14">
+  <mc:AlternateContent xmlns:mc="http://schemas.openxmlformats.org/markup-compatibility/2006" xmlns:p14="http://schemas.microsoft.com/office/powerpoint/2010/main">
+    <mc:Choice Requires="p14">
       <p:transition spd="med" p14:dur="700">
         <p:fade/>
       </p:transition>
     </mc:Choice>
-    <mc:Fallback>
+    <mc:Fallback xmlns="">
       <p:transition spd="med">
         <p:fade/>
       </p:transition>
@@ -5178,15 +5198,15 @@
           <a:lstStyle/>
           <a:p>
             <a:r>
-              <a:rPr lang="it-IT" dirty="0" err="1" smtClean="0"/>
+              <a:rPr lang="it-IT" dirty="0" err="1"/>
               <a:t>Ticekt</a:t>
             </a:r>
             <a:r>
-              <a:rPr lang="it-IT" dirty="0" smtClean="0"/>
+              <a:rPr lang="it-IT" dirty="0"/>
               <a:t> </a:t>
             </a:r>
             <a:r>
-              <a:rPr lang="it-IT" dirty="0" err="1" smtClean="0"/>
+              <a:rPr lang="it-IT" dirty="0" err="1"/>
               <a:t>Search</a:t>
             </a:r>
             <a:endParaRPr lang="it-IT" dirty="0"/>
@@ -5209,7 +5229,7 @@
           <a:lstStyle/>
           <a:p>
             <a:r>
-              <a:rPr lang="it-IT" dirty="0" smtClean="0"/>
+              <a:rPr lang="it-IT" dirty="0"/>
               <a:t>Gruppo 3</a:t>
             </a:r>
           </a:p>
@@ -5228,25 +5248,18 @@
   <p:clrMapOvr>
     <a:masterClrMapping/>
   </p:clrMapOvr>
-  <mc:AlternateContent xmlns:mc="http://schemas.openxmlformats.org/markup-compatibility/2006">
-    <mc:Choice xmlns:p14="http://schemas.microsoft.com/office/powerpoint/2010/main" Requires="p14">
+  <mc:AlternateContent xmlns:mc="http://schemas.openxmlformats.org/markup-compatibility/2006" xmlns:p14="http://schemas.microsoft.com/office/powerpoint/2010/main">
+    <mc:Choice Requires="p14">
       <p:transition spd="med" p14:dur="700">
         <p:fade/>
       </p:transition>
     </mc:Choice>
-    <mc:Fallback>
+    <mc:Fallback xmlns="">
       <p:transition spd="med">
         <p:fade/>
       </p:transition>
     </mc:Fallback>
   </mc:AlternateContent>
-  <p:timing>
-    <p:tnLst>
-      <p:par>
-        <p:cTn id="1" dur="indefinite" restart="never" nodeType="tmRoot"/>
-      </p:par>
-    </p:tnLst>
-  </p:timing>
 </p:sld>
 </file>
 
@@ -5283,42 +5296,41 @@
           <a:lstStyle/>
           <a:p>
             <a:r>
-              <a:rPr lang="it-IT" dirty="0" smtClean="0"/>
+              <a:rPr lang="it-IT" dirty="0"/>
               <a:t>Principali criticità affrontate</a:t>
             </a:r>
+          </a:p>
+        </p:txBody>
+      </p:sp>
+      <p:sp>
+        <p:nvSpPr>
+          <p:cNvPr id="3" name="Segnaposto contenuto 2"/>
+          <p:cNvSpPr>
+            <a:spLocks noGrp="1"/>
+          </p:cNvSpPr>
+          <p:nvPr>
+            <p:ph sz="quarter" idx="1"/>
+          </p:nvPr>
+        </p:nvSpPr>
+        <p:spPr/>
+        <p:txBody>
+          <a:bodyPr/>
+          <a:lstStyle/>
+          <a:p>
             <a:endParaRPr lang="it-IT" dirty="0"/>
           </a:p>
-        </p:txBody>
-      </p:sp>
-      <p:sp>
-        <p:nvSpPr>
-          <p:cNvPr id="3" name="Segnaposto contenuto 2"/>
-          <p:cNvSpPr>
-            <a:spLocks noGrp="1"/>
-          </p:cNvSpPr>
-          <p:nvPr>
-            <p:ph sz="quarter" idx="1"/>
-          </p:nvPr>
-        </p:nvSpPr>
-        <p:spPr/>
-        <p:txBody>
-          <a:bodyPr/>
-          <a:lstStyle/>
-          <a:p>
-            <a:endParaRPr lang="it-IT" dirty="0" smtClean="0"/>
-          </a:p>
-          <a:p>
-            <a:r>
-              <a:rPr lang="it-IT" sz="3200" dirty="0" smtClean="0"/>
+          <a:p>
+            <a:r>
+              <a:rPr lang="it-IT" sz="3200" dirty="0"/>
               <a:t>Importare e sincronizzare i moduli</a:t>
             </a:r>
           </a:p>
           <a:p>
-            <a:endParaRPr lang="it-IT" dirty="0" smtClean="0"/>
-          </a:p>
-          <a:p>
-            <a:r>
-              <a:rPr lang="it-IT" sz="2800" dirty="0" smtClean="0">
+            <a:endParaRPr lang="it-IT" dirty="0"/>
+          </a:p>
+          <a:p>
+            <a:r>
+              <a:rPr lang="it-IT" sz="2800" dirty="0">
                 <a:solidFill>
                   <a:schemeClr val="tx2">
                     <a:lumMod val="50000"/>
@@ -5340,14 +5352,31 @@
                   </a:schemeClr>
                 </a:solidFill>
               </a:rPr>
-              <a:t>Gestire il flusso di informazioni</a:t>
-            </a:r>
+              <a:t>Gestire il flusso di informazioni utilizzando classi </a:t>
+            </a:r>
+            <a:r>
+              <a:rPr lang="it-IT" sz="2000" dirty="0" err="1">
+                <a:solidFill>
+                  <a:schemeClr val="tx2">
+                    <a:lumMod val="75000"/>
+                  </a:schemeClr>
+                </a:solidFill>
+              </a:rPr>
+              <a:t>wrapper</a:t>
+            </a:r>
+            <a:endParaRPr lang="it-IT" sz="2000" dirty="0">
+              <a:solidFill>
+                <a:schemeClr val="tx2">
+                  <a:lumMod val="75000"/>
+                </a:schemeClr>
+              </a:solidFill>
+            </a:endParaRPr>
           </a:p>
           <a:p>
             <a:endParaRPr lang="it-IT" dirty="0"/>
           </a:p>
           <a:p>
-            <a:endParaRPr lang="it-IT" dirty="0" smtClean="0"/>
+            <a:endParaRPr lang="it-IT" dirty="0"/>
           </a:p>
           <a:p>
             <a:endParaRPr lang="it-IT" dirty="0"/>
@@ -5393,7 +5422,7 @@
           </a:lstStyle>
           <a:p>
             <a:r>
-              <a:rPr lang="it-IT" dirty="0" smtClean="0"/>
+              <a:rPr lang="it-IT" dirty="0"/>
               <a:t>9</a:t>
             </a:r>
           </a:p>
@@ -5409,25 +5438,18 @@
   <p:clrMapOvr>
     <a:masterClrMapping/>
   </p:clrMapOvr>
-  <mc:AlternateContent xmlns:mc="http://schemas.openxmlformats.org/markup-compatibility/2006">
-    <mc:Choice xmlns:p14="http://schemas.microsoft.com/office/powerpoint/2010/main" Requires="p14">
+  <mc:AlternateContent xmlns:mc="http://schemas.openxmlformats.org/markup-compatibility/2006" xmlns:p14="http://schemas.microsoft.com/office/powerpoint/2010/main">
+    <mc:Choice Requires="p14">
       <p:transition spd="med" p14:dur="700">
         <p:fade/>
       </p:transition>
     </mc:Choice>
-    <mc:Fallback>
+    <mc:Fallback xmlns="">
       <p:transition spd="med">
         <p:fade/>
       </p:transition>
     </mc:Fallback>
   </mc:AlternateContent>
-  <p:timing>
-    <p:tnLst>
-      <p:par>
-        <p:cTn id="1" dur="indefinite" restart="never" nodeType="tmRoot"/>
-      </p:par>
-    </p:tnLst>
-  </p:timing>
 </p:sld>
 </file>
 
@@ -5464,11 +5486,11 @@
           <a:lstStyle/>
           <a:p>
             <a:r>
-              <a:rPr lang="it-IT" dirty="0" smtClean="0"/>
+              <a:rPr lang="it-IT" dirty="0"/>
               <a:t>Ticket </a:t>
             </a:r>
             <a:r>
-              <a:rPr lang="it-IT" dirty="0" err="1" smtClean="0"/>
+              <a:rPr lang="it-IT" dirty="0" err="1"/>
               <a:t>Search</a:t>
             </a:r>
             <a:endParaRPr lang="it-IT" dirty="0"/>
@@ -5496,29 +5518,25 @@
           <a:lstStyle/>
           <a:p>
             <a:r>
-              <a:rPr lang="it-IT" dirty="0" smtClean="0"/>
+              <a:rPr lang="it-IT" dirty="0"/>
               <a:t>Cos’è ?</a:t>
             </a:r>
           </a:p>
           <a:p>
-            <a:endParaRPr lang="it-IT" dirty="0" smtClean="0"/>
-          </a:p>
-          <a:p>
-            <a:r>
-              <a:rPr lang="it-IT" dirty="0" smtClean="0"/>
-              <a:t>Chi la usa </a:t>
-            </a:r>
-            <a:r>
-              <a:rPr lang="it-IT" dirty="0" smtClean="0"/>
-              <a:t>?</a:t>
-            </a:r>
-          </a:p>
-          <a:p>
             <a:endParaRPr lang="it-IT" dirty="0"/>
           </a:p>
           <a:p>
             <a:r>
-              <a:rPr lang="it-IT" dirty="0" smtClean="0"/>
+              <a:rPr lang="it-IT" dirty="0"/>
+              <a:t>Chi la usa ?</a:t>
+            </a:r>
+          </a:p>
+          <a:p>
+            <a:endParaRPr lang="it-IT" dirty="0"/>
+          </a:p>
+          <a:p>
+            <a:r>
+              <a:rPr lang="it-IT" dirty="0"/>
               <a:t>Obbiettivi ?</a:t>
             </a:r>
           </a:p>
@@ -5563,10 +5581,9 @@
           </a:lstStyle>
           <a:p>
             <a:r>
-              <a:rPr lang="it-IT" dirty="0" smtClean="0"/>
+              <a:rPr lang="it-IT" dirty="0"/>
               <a:t>1</a:t>
             </a:r>
-            <a:endParaRPr lang="it-IT" dirty="0"/>
           </a:p>
         </p:txBody>
       </p:sp>
@@ -5619,25 +5636,18 @@
   <p:clrMapOvr>
     <a:masterClrMapping/>
   </p:clrMapOvr>
-  <mc:AlternateContent xmlns:mc="http://schemas.openxmlformats.org/markup-compatibility/2006">
-    <mc:Choice xmlns:p14="http://schemas.microsoft.com/office/powerpoint/2010/main" Requires="p14">
+  <mc:AlternateContent xmlns:mc="http://schemas.openxmlformats.org/markup-compatibility/2006" xmlns:p14="http://schemas.microsoft.com/office/powerpoint/2010/main">
+    <mc:Choice Requires="p14">
       <p:transition spd="med" p14:dur="700">
         <p:fade/>
       </p:transition>
     </mc:Choice>
-    <mc:Fallback>
+    <mc:Fallback xmlns="">
       <p:transition spd="med">
         <p:fade/>
       </p:transition>
     </mc:Fallback>
   </mc:AlternateContent>
-  <p:timing>
-    <p:tnLst>
-      <p:par>
-        <p:cTn id="1" dur="indefinite" restart="never" nodeType="tmRoot"/>
-      </p:par>
-    </p:tnLst>
-  </p:timing>
 </p:sld>
 </file>
 
@@ -5674,10 +5684,9 @@
           <a:lstStyle/>
           <a:p>
             <a:r>
-              <a:rPr lang="it-IT" dirty="0" smtClean="0"/>
+              <a:rPr lang="it-IT" dirty="0"/>
               <a:t>Funzionalità</a:t>
             </a:r>
-            <a:endParaRPr lang="it-IT" dirty="0"/>
           </a:p>
         </p:txBody>
       </p:sp>
@@ -5702,10 +5711,9 @@
           <a:lstStyle/>
           <a:p>
             <a:r>
-              <a:rPr lang="it-IT" dirty="0" smtClean="0"/>
+              <a:rPr lang="it-IT" dirty="0"/>
               <a:t>Gestire i rimborsi delle missioni</a:t>
             </a:r>
-            <a:endParaRPr lang="it-IT" dirty="0"/>
           </a:p>
         </p:txBody>
       </p:sp>
@@ -5909,10 +5917,9 @@
           </a:lstStyle>
           <a:p>
             <a:r>
-              <a:rPr lang="it-IT" dirty="0" smtClean="0"/>
+              <a:rPr lang="it-IT" dirty="0"/>
               <a:t>Automatizzare i conteggi di rimborso</a:t>
             </a:r>
-            <a:endParaRPr lang="it-IT" dirty="0"/>
           </a:p>
         </p:txBody>
       </p:sp>
@@ -6116,10 +6123,9 @@
           </a:lstStyle>
           <a:p>
             <a:r>
-              <a:rPr lang="it-IT" dirty="0" smtClean="0"/>
+              <a:rPr lang="it-IT" dirty="0"/>
               <a:t>Fotografare tutti gli scontrini</a:t>
             </a:r>
-            <a:endParaRPr lang="it-IT" dirty="0"/>
           </a:p>
         </p:txBody>
       </p:sp>
@@ -6165,7 +6171,6 @@
               <a:rPr lang="it-IT" dirty="0"/>
               <a:t>2</a:t>
             </a:r>
-            <a:endParaRPr lang="it-IT" dirty="0"/>
           </a:p>
         </p:txBody>
       </p:sp>
@@ -6369,10 +6374,9 @@
           </a:lstStyle>
           <a:p>
             <a:r>
-              <a:rPr lang="it-IT" dirty="0" smtClean="0"/>
+              <a:rPr lang="it-IT" dirty="0"/>
               <a:t>Tenere uno storico consultabile</a:t>
             </a:r>
-            <a:endParaRPr lang="it-IT" dirty="0"/>
           </a:p>
         </p:txBody>
       </p:sp>
@@ -6386,25 +6390,18 @@
   <p:clrMapOvr>
     <a:masterClrMapping/>
   </p:clrMapOvr>
-  <mc:AlternateContent xmlns:mc="http://schemas.openxmlformats.org/markup-compatibility/2006">
-    <mc:Choice xmlns:p14="http://schemas.microsoft.com/office/powerpoint/2010/main" Requires="p14">
+  <mc:AlternateContent xmlns:mc="http://schemas.openxmlformats.org/markup-compatibility/2006" xmlns:p14="http://schemas.microsoft.com/office/powerpoint/2010/main">
+    <mc:Choice Requires="p14">
       <p:transition spd="med" p14:dur="700">
         <p:fade/>
       </p:transition>
     </mc:Choice>
-    <mc:Fallback>
+    <mc:Fallback xmlns="">
       <p:transition spd="med">
         <p:fade/>
       </p:transition>
     </mc:Fallback>
   </mc:AlternateContent>
-  <p:timing>
-    <p:tnLst>
-      <p:par>
-        <p:cTn id="1" dur="indefinite" restart="never" nodeType="tmRoot"/>
-      </p:par>
-    </p:tnLst>
-  </p:timing>
 </p:sld>
 </file>
 
@@ -6441,10 +6438,9 @@
           <a:lstStyle/>
           <a:p>
             <a:r>
-              <a:rPr lang="it-IT" dirty="0" smtClean="0"/>
+              <a:rPr lang="it-IT" dirty="0"/>
               <a:t>Come Funziona</a:t>
             </a:r>
-            <a:endParaRPr lang="it-IT" dirty="0"/>
           </a:p>
         </p:txBody>
       </p:sp>
@@ -6469,23 +6465,23 @@
           <a:lstStyle/>
           <a:p>
             <a:r>
-              <a:rPr lang="it-IT" b="1" dirty="0" smtClean="0"/>
+              <a:rPr lang="it-IT" b="1" dirty="0"/>
               <a:t>Inserimento nuova missione</a:t>
             </a:r>
           </a:p>
           <a:p>
             <a:pPr lvl="1"/>
             <a:r>
-              <a:rPr lang="it-IT" dirty="0" smtClean="0"/>
+              <a:rPr lang="it-IT" dirty="0"/>
               <a:t>Relativa ad una persona</a:t>
             </a:r>
           </a:p>
           <a:p>
-            <a:endParaRPr lang="it-IT" dirty="0" smtClean="0"/>
-          </a:p>
-          <a:p>
-            <a:r>
-              <a:rPr lang="it-IT" dirty="0" smtClean="0">
+            <a:endParaRPr lang="it-IT" dirty="0"/>
+          </a:p>
+          <a:p>
+            <a:r>
+              <a:rPr lang="it-IT" dirty="0">
                 <a:solidFill>
                   <a:schemeClr val="tx2">
                     <a:lumMod val="60000"/>
@@ -6499,7 +6495,7 @@
           <a:p>
             <a:pPr lvl="1"/>
             <a:r>
-              <a:rPr lang="it-IT" dirty="0" smtClean="0">
+              <a:rPr lang="it-IT" dirty="0">
                 <a:solidFill>
                   <a:schemeClr val="tx2">
                     <a:lumMod val="60000"/>
@@ -6521,7 +6517,7 @@
           </a:p>
           <a:p>
             <a:r>
-              <a:rPr lang="it-IT" dirty="0" smtClean="0">
+              <a:rPr lang="it-IT" dirty="0">
                 <a:solidFill>
                   <a:schemeClr val="tx2">
                     <a:lumMod val="60000"/>
@@ -6535,7 +6531,7 @@
           <a:p>
             <a:pPr lvl="1"/>
             <a:r>
-              <a:rPr lang="it-IT" dirty="0" smtClean="0">
+              <a:rPr lang="it-IT" dirty="0">
                 <a:solidFill>
                   <a:schemeClr val="tx2">
                     <a:lumMod val="60000"/>
@@ -6547,7 +6543,7 @@
             </a:r>
           </a:p>
           <a:p>
-            <a:endParaRPr lang="it-IT" dirty="0" smtClean="0">
+            <a:endParaRPr lang="it-IT" dirty="0">
               <a:solidFill>
                 <a:schemeClr val="bg1">
                   <a:lumMod val="65000"/>
@@ -6599,7 +6595,7 @@
           </a:lstStyle>
           <a:p>
             <a:r>
-              <a:rPr lang="it-IT" dirty="0" smtClean="0"/>
+              <a:rPr lang="it-IT" dirty="0"/>
               <a:t>3</a:t>
             </a:r>
           </a:p>
@@ -6654,25 +6650,18 @@
   <p:clrMapOvr>
     <a:masterClrMapping/>
   </p:clrMapOvr>
-  <mc:AlternateContent xmlns:mc="http://schemas.openxmlformats.org/markup-compatibility/2006">
-    <mc:Choice xmlns:p14="http://schemas.microsoft.com/office/powerpoint/2010/main" Requires="p14">
+  <mc:AlternateContent xmlns:mc="http://schemas.openxmlformats.org/markup-compatibility/2006" xmlns:p14="http://schemas.microsoft.com/office/powerpoint/2010/main">
+    <mc:Choice Requires="p14">
       <p:transition spd="med" p14:dur="700">
         <p:fade/>
       </p:transition>
     </mc:Choice>
-    <mc:Fallback>
+    <mc:Fallback xmlns="">
       <p:transition spd="med">
         <p:fade/>
       </p:transition>
     </mc:Fallback>
   </mc:AlternateContent>
-  <p:timing>
-    <p:tnLst>
-      <p:par>
-        <p:cTn id="1" dur="indefinite" restart="never" nodeType="tmRoot"/>
-      </p:par>
-    </p:tnLst>
-  </p:timing>
 </p:sld>
 </file>
 
@@ -6709,10 +6698,9 @@
           <a:lstStyle/>
           <a:p>
             <a:r>
-              <a:rPr lang="it-IT" dirty="0" smtClean="0"/>
+              <a:rPr lang="it-IT" dirty="0"/>
               <a:t>Come Funziona</a:t>
             </a:r>
-            <a:endParaRPr lang="it-IT" dirty="0"/>
           </a:p>
         </p:txBody>
       </p:sp>
@@ -6737,7 +6725,7 @@
           <a:lstStyle/>
           <a:p>
             <a:r>
-              <a:rPr lang="it-IT" dirty="0" smtClean="0">
+              <a:rPr lang="it-IT" dirty="0">
                 <a:solidFill>
                   <a:schemeClr val="tx2">
                     <a:lumMod val="60000"/>
@@ -6751,7 +6739,7 @@
           <a:p>
             <a:pPr lvl="1"/>
             <a:r>
-              <a:rPr lang="it-IT" dirty="0" smtClean="0">
+              <a:rPr lang="it-IT" dirty="0">
                 <a:solidFill>
                   <a:schemeClr val="tx2">
                     <a:lumMod val="60000"/>
@@ -6763,18 +6751,18 @@
             </a:r>
           </a:p>
           <a:p>
-            <a:endParaRPr lang="it-IT" dirty="0" smtClean="0"/>
-          </a:p>
-          <a:p>
-            <a:r>
-              <a:rPr lang="it-IT" b="1" dirty="0" smtClean="0"/>
+            <a:endParaRPr lang="it-IT" dirty="0"/>
+          </a:p>
+          <a:p>
+            <a:r>
+              <a:rPr lang="it-IT" b="1" dirty="0"/>
               <a:t>Inserimento degli scontrini</a:t>
             </a:r>
           </a:p>
           <a:p>
             <a:pPr lvl="1"/>
             <a:r>
-              <a:rPr lang="it-IT" dirty="0" smtClean="0"/>
+              <a:rPr lang="it-IT" dirty="0"/>
               <a:t>Fotografare e taggare ogni scontrino</a:t>
             </a:r>
           </a:p>
@@ -6783,7 +6771,7 @@
           </a:p>
           <a:p>
             <a:r>
-              <a:rPr lang="it-IT" dirty="0" smtClean="0">
+              <a:rPr lang="it-IT" dirty="0">
                 <a:solidFill>
                   <a:schemeClr val="tx2">
                     <a:lumMod val="60000"/>
@@ -6797,7 +6785,7 @@
           <a:p>
             <a:pPr lvl="1"/>
             <a:r>
-              <a:rPr lang="it-IT" dirty="0" smtClean="0">
+              <a:rPr lang="it-IT" dirty="0">
                 <a:solidFill>
                   <a:schemeClr val="tx2">
                     <a:lumMod val="60000"/>
@@ -6809,7 +6797,7 @@
             </a:r>
           </a:p>
           <a:p>
-            <a:endParaRPr lang="it-IT" dirty="0" smtClean="0"/>
+            <a:endParaRPr lang="it-IT" dirty="0"/>
           </a:p>
           <a:p>
             <a:endParaRPr lang="it-IT" dirty="0"/>
@@ -6855,7 +6843,7 @@
           </a:lstStyle>
           <a:p>
             <a:r>
-              <a:rPr lang="it-IT" dirty="0" smtClean="0"/>
+              <a:rPr lang="it-IT" dirty="0"/>
               <a:t>4</a:t>
             </a:r>
           </a:p>
@@ -6910,25 +6898,18 @@
   <p:clrMapOvr>
     <a:masterClrMapping/>
   </p:clrMapOvr>
-  <mc:AlternateContent xmlns:mc="http://schemas.openxmlformats.org/markup-compatibility/2006">
-    <mc:Choice xmlns:p14="http://schemas.microsoft.com/office/powerpoint/2010/main" Requires="p14">
+  <mc:AlternateContent xmlns:mc="http://schemas.openxmlformats.org/markup-compatibility/2006" xmlns:p14="http://schemas.microsoft.com/office/powerpoint/2010/main">
+    <mc:Choice Requires="p14">
       <p:transition spd="med" p14:dur="700">
         <p:fade/>
       </p:transition>
     </mc:Choice>
-    <mc:Fallback>
+    <mc:Fallback xmlns="">
       <p:transition spd="med">
         <p:fade/>
       </p:transition>
     </mc:Fallback>
   </mc:AlternateContent>
-  <p:timing>
-    <p:tnLst>
-      <p:par>
-        <p:cTn id="1" dur="indefinite" restart="never" nodeType="tmRoot"/>
-      </p:par>
-    </p:tnLst>
-  </p:timing>
 </p:sld>
 </file>
 
@@ -6965,10 +6946,9 @@
           <a:lstStyle/>
           <a:p>
             <a:r>
-              <a:rPr lang="it-IT" dirty="0" smtClean="0"/>
+              <a:rPr lang="it-IT" dirty="0"/>
               <a:t>Come Funziona</a:t>
             </a:r>
-            <a:endParaRPr lang="it-IT" dirty="0"/>
           </a:p>
         </p:txBody>
       </p:sp>
@@ -6993,7 +6973,7 @@
           <a:lstStyle/>
           <a:p>
             <a:r>
-              <a:rPr lang="it-IT" dirty="0" smtClean="0">
+              <a:rPr lang="it-IT" dirty="0">
                 <a:solidFill>
                   <a:schemeClr val="tx2">
                     <a:lumMod val="60000"/>
@@ -7007,7 +6987,7 @@
           <a:p>
             <a:pPr lvl="1"/>
             <a:r>
-              <a:rPr lang="it-IT" dirty="0" smtClean="0">
+              <a:rPr lang="it-IT" dirty="0">
                 <a:solidFill>
                   <a:schemeClr val="tx2">
                     <a:lumMod val="60000"/>
@@ -7019,11 +6999,11 @@
             </a:r>
           </a:p>
           <a:p>
-            <a:endParaRPr lang="it-IT" dirty="0" smtClean="0"/>
-          </a:p>
-          <a:p>
-            <a:r>
-              <a:rPr lang="it-IT" dirty="0" smtClean="0">
+            <a:endParaRPr lang="it-IT" dirty="0"/>
+          </a:p>
+          <a:p>
+            <a:r>
+              <a:rPr lang="it-IT" dirty="0">
                 <a:solidFill>
                   <a:schemeClr val="tx2">
                     <a:lumMod val="60000"/>
@@ -7037,7 +7017,7 @@
           <a:p>
             <a:pPr lvl="1"/>
             <a:r>
-              <a:rPr lang="it-IT" dirty="0" smtClean="0">
+              <a:rPr lang="it-IT" dirty="0">
                 <a:solidFill>
                   <a:schemeClr val="tx2">
                     <a:lumMod val="60000"/>
@@ -7053,19 +7033,19 @@
           </a:p>
           <a:p>
             <a:r>
-              <a:rPr lang="it-IT" b="1" dirty="0" smtClean="0"/>
+              <a:rPr lang="it-IT" b="1" dirty="0"/>
               <a:t>Analisi</a:t>
             </a:r>
           </a:p>
           <a:p>
             <a:pPr lvl="1"/>
             <a:r>
-              <a:rPr lang="it-IT" dirty="0" smtClean="0"/>
+              <a:rPr lang="it-IT" dirty="0"/>
               <a:t>Consultazione dei dati e del rimborso </a:t>
             </a:r>
           </a:p>
           <a:p>
-            <a:endParaRPr lang="it-IT" dirty="0" smtClean="0"/>
+            <a:endParaRPr lang="it-IT" dirty="0"/>
           </a:p>
           <a:p>
             <a:endParaRPr lang="it-IT" dirty="0"/>
@@ -7111,7 +7091,7 @@
           </a:lstStyle>
           <a:p>
             <a:r>
-              <a:rPr lang="it-IT" dirty="0" smtClean="0"/>
+              <a:rPr lang="it-IT" dirty="0"/>
               <a:t>5</a:t>
             </a:r>
           </a:p>
@@ -7166,25 +7146,18 @@
   <p:clrMapOvr>
     <a:masterClrMapping/>
   </p:clrMapOvr>
-  <mc:AlternateContent xmlns:mc="http://schemas.openxmlformats.org/markup-compatibility/2006">
-    <mc:Choice xmlns:p14="http://schemas.microsoft.com/office/powerpoint/2010/main" Requires="p14">
+  <mc:AlternateContent xmlns:mc="http://schemas.openxmlformats.org/markup-compatibility/2006" xmlns:p14="http://schemas.microsoft.com/office/powerpoint/2010/main">
+    <mc:Choice Requires="p14">
       <p:transition spd="med" p14:dur="700">
         <p:fade/>
       </p:transition>
     </mc:Choice>
-    <mc:Fallback>
+    <mc:Fallback xmlns="">
       <p:transition spd="med">
         <p:fade/>
       </p:transition>
     </mc:Fallback>
   </mc:AlternateContent>
-  <p:timing>
-    <p:tnLst>
-      <p:par>
-        <p:cTn id="1" dur="indefinite" restart="never" nodeType="tmRoot"/>
-      </p:par>
-    </p:tnLst>
-  </p:timing>
 </p:sld>
 </file>
 
@@ -7221,22 +7194,17 @@
           <a:lstStyle/>
           <a:p>
             <a:r>
-              <a:rPr lang="it-IT" dirty="0" smtClean="0"/>
+              <a:rPr lang="it-IT" dirty="0"/>
               <a:t>Realizzazione: </a:t>
             </a:r>
             <a:r>
-              <a:rPr lang="it-IT" sz="1800" b="1" dirty="0" smtClean="0">
+              <a:rPr lang="it-IT" sz="1800" b="1" dirty="0">
                 <a:latin typeface="+mn-lt"/>
                 <a:ea typeface="+mn-ea"/>
                 <a:cs typeface="+mn-cs"/>
               </a:rPr>
               <a:t>Modulo DB info</a:t>
             </a:r>
-            <a:endParaRPr lang="it-IT" sz="1800" b="1" dirty="0">
-              <a:latin typeface="+mn-lt"/>
-              <a:ea typeface="+mn-ea"/>
-              <a:cs typeface="+mn-cs"/>
-            </a:endParaRPr>
           </a:p>
         </p:txBody>
       </p:sp>
@@ -7266,7 +7234,7 @@
             </a:r>
           </a:p>
           <a:p>
-            <a:endParaRPr lang="it-IT" dirty="0" smtClean="0"/>
+            <a:endParaRPr lang="it-IT" dirty="0"/>
           </a:p>
           <a:p>
             <a:r>
@@ -7366,40 +7334,45 @@
               <a:rPr lang="it-IT" dirty="0"/>
               <a:t>6</a:t>
             </a:r>
-            <a:endParaRPr lang="it-IT" dirty="0" smtClean="0"/>
-          </a:p>
-        </p:txBody>
-      </p:sp>
-      <p:sp>
-        <p:nvSpPr>
-          <p:cNvPr id="5" name="CasellaDiTesto 4"/>
-          <p:cNvSpPr txBox="1"/>
+          </a:p>
+        </p:txBody>
+      </p:sp>
+      <p:pic>
+        <p:nvPicPr>
+          <p:cNvPr id="6" name="Immagine 5">
+            <a:extLst>
+              <a:ext uri="{FF2B5EF4-FFF2-40B4-BE49-F238E27FC236}">
+                <a16:creationId xmlns:a16="http://schemas.microsoft.com/office/drawing/2014/main" id="{65C07645-033D-4B4F-81D5-35DE430A4105}"/>
+              </a:ext>
+            </a:extLst>
+          </p:cNvPr>
+          <p:cNvPicPr>
+            <a:picLocks noChangeAspect="1"/>
+          </p:cNvPicPr>
           <p:nvPr/>
-        </p:nvSpPr>
+        </p:nvPicPr>
+        <p:blipFill>
+          <a:blip r:embed="rId2" cstate="print">
+            <a:extLst>
+              <a:ext uri="{28A0092B-C50C-407E-A947-70E740481C1C}">
+                <a14:useLocalDpi xmlns:a14="http://schemas.microsoft.com/office/drawing/2010/main" val="0"/>
+              </a:ext>
+            </a:extLst>
+          </a:blip>
+          <a:stretch>
+            <a:fillRect/>
+          </a:stretch>
+        </p:blipFill>
         <p:spPr>
           <a:xfrm>
-            <a:off x="6180470" y="3037602"/>
-            <a:ext cx="1920719" cy="369332"/>
+            <a:off x="4067944" y="1916978"/>
+            <a:ext cx="4603228" cy="3096198"/>
           </a:xfrm>
           <a:prstGeom prst="rect">
             <a:avLst/>
           </a:prstGeom>
-          <a:noFill/>
-        </p:spPr>
-        <p:txBody>
-          <a:bodyPr wrap="none" rtlCol="0">
-            <a:spAutoFit/>
-          </a:bodyPr>
-          <a:lstStyle/>
-          <a:p>
-            <a:r>
-              <a:rPr lang="it-IT" dirty="0" smtClean="0"/>
-              <a:t>Foto schema ER</a:t>
-            </a:r>
-            <a:endParaRPr lang="it-IT" dirty="0"/>
-          </a:p>
-        </p:txBody>
-      </p:sp>
+        </p:spPr>
+      </p:pic>
     </p:spTree>
     <p:extLst>
       <p:ext uri="{BB962C8B-B14F-4D97-AF65-F5344CB8AC3E}">
@@ -7410,25 +7383,18 @@
   <p:clrMapOvr>
     <a:masterClrMapping/>
   </p:clrMapOvr>
-  <mc:AlternateContent xmlns:mc="http://schemas.openxmlformats.org/markup-compatibility/2006">
-    <mc:Choice xmlns:p14="http://schemas.microsoft.com/office/powerpoint/2010/main" Requires="p14">
+  <mc:AlternateContent xmlns:mc="http://schemas.openxmlformats.org/markup-compatibility/2006" xmlns:p14="http://schemas.microsoft.com/office/powerpoint/2010/main">
+    <mc:Choice Requires="p14">
       <p:transition spd="med" p14:dur="700">
         <p:fade/>
       </p:transition>
     </mc:Choice>
-    <mc:Fallback>
+    <mc:Fallback xmlns="">
       <p:transition spd="med">
         <p:fade/>
       </p:transition>
     </mc:Fallback>
   </mc:AlternateContent>
-  <p:timing>
-    <p:tnLst>
-      <p:par>
-        <p:cTn id="1" dur="indefinite" restart="never" nodeType="tmRoot"/>
-      </p:par>
-    </p:tnLst>
-  </p:timing>
 </p:sld>
 </file>
 
@@ -7465,22 +7431,17 @@
           <a:lstStyle/>
           <a:p>
             <a:r>
-              <a:rPr lang="it-IT" dirty="0" smtClean="0"/>
+              <a:rPr lang="it-IT" dirty="0"/>
               <a:t>Realizzazione: </a:t>
             </a:r>
             <a:r>
-              <a:rPr lang="it-IT" sz="1800" b="1" dirty="0" smtClean="0">
+              <a:rPr lang="it-IT" sz="1800" b="1" dirty="0">
                 <a:latin typeface="+mn-lt"/>
                 <a:ea typeface="+mn-ea"/>
                 <a:cs typeface="+mn-cs"/>
               </a:rPr>
               <a:t>Modulo DB info</a:t>
             </a:r>
-            <a:endParaRPr lang="it-IT" sz="1800" b="1" dirty="0">
-              <a:latin typeface="+mn-lt"/>
-              <a:ea typeface="+mn-ea"/>
-              <a:cs typeface="+mn-cs"/>
-            </a:endParaRPr>
           </a:p>
         </p:txBody>
       </p:sp>
@@ -7517,7 +7478,7 @@
             </a:r>
           </a:p>
           <a:p>
-            <a:endParaRPr lang="it-IT" dirty="0" smtClean="0"/>
+            <a:endParaRPr lang="it-IT" dirty="0"/>
           </a:p>
           <a:p>
             <a:r>
@@ -7593,7 +7554,7 @@
           </a:lstStyle>
           <a:p>
             <a:r>
-              <a:rPr lang="it-IT" dirty="0" smtClean="0"/>
+              <a:rPr lang="it-IT" dirty="0"/>
               <a:t>7</a:t>
             </a:r>
           </a:p>
@@ -7650,25 +7611,18 @@
   <p:clrMapOvr>
     <a:masterClrMapping/>
   </p:clrMapOvr>
-  <mc:AlternateContent xmlns:mc="http://schemas.openxmlformats.org/markup-compatibility/2006">
-    <mc:Choice xmlns:p14="http://schemas.microsoft.com/office/powerpoint/2010/main" Requires="p14">
+  <mc:AlternateContent xmlns:mc="http://schemas.openxmlformats.org/markup-compatibility/2006" xmlns:p14="http://schemas.microsoft.com/office/powerpoint/2010/main">
+    <mc:Choice Requires="p14">
       <p:transition spd="med" p14:dur="700">
         <p:fade/>
       </p:transition>
     </mc:Choice>
-    <mc:Fallback>
+    <mc:Fallback xmlns="">
       <p:transition spd="med">
         <p:fade/>
       </p:transition>
     </mc:Fallback>
   </mc:AlternateContent>
-  <p:timing>
-    <p:tnLst>
-      <p:par>
-        <p:cTn id="1" dur="indefinite" restart="never" nodeType="tmRoot"/>
-      </p:par>
-    </p:tnLst>
-  </p:timing>
 </p:sld>
 </file>
 
@@ -7705,22 +7659,17 @@
           <a:lstStyle/>
           <a:p>
             <a:r>
-              <a:rPr lang="it-IT" dirty="0" smtClean="0"/>
+              <a:rPr lang="it-IT" dirty="0"/>
               <a:t>Realizzazione: </a:t>
             </a:r>
             <a:r>
-              <a:rPr lang="it-IT" sz="1800" b="1" dirty="0" smtClean="0">
+              <a:rPr lang="it-IT" sz="1800" b="1" dirty="0">
                 <a:latin typeface="+mn-lt"/>
                 <a:ea typeface="+mn-ea"/>
                 <a:cs typeface="+mn-cs"/>
               </a:rPr>
               <a:t>Modulo DB info</a:t>
             </a:r>
-            <a:endParaRPr lang="it-IT" sz="1800" b="1" dirty="0">
-              <a:latin typeface="+mn-lt"/>
-              <a:ea typeface="+mn-ea"/>
-              <a:cs typeface="+mn-cs"/>
-            </a:endParaRPr>
           </a:p>
         </p:txBody>
       </p:sp>
@@ -7757,7 +7706,7 @@
             </a:r>
           </a:p>
           <a:p>
-            <a:endParaRPr lang="it-IT" dirty="0" smtClean="0"/>
+            <a:endParaRPr lang="it-IT" dirty="0"/>
           </a:p>
           <a:p>
             <a:r>
@@ -7847,42 +7796,47 @@
           </a:lstStyle>
           <a:p>
             <a:r>
-              <a:rPr lang="it-IT" dirty="0" smtClean="0"/>
+              <a:rPr lang="it-IT" dirty="0"/>
               <a:t>8</a:t>
             </a:r>
           </a:p>
         </p:txBody>
       </p:sp>
-      <p:sp>
-        <p:nvSpPr>
-          <p:cNvPr id="5" name="CasellaDiTesto 4"/>
-          <p:cNvSpPr txBox="1"/>
+      <p:pic>
+        <p:nvPicPr>
+          <p:cNvPr id="9" name="Immagine 8">
+            <a:extLst>
+              <a:ext uri="{FF2B5EF4-FFF2-40B4-BE49-F238E27FC236}">
+                <a16:creationId xmlns:a16="http://schemas.microsoft.com/office/drawing/2014/main" id="{105875F7-08A7-41F6-8E9E-2CA60BC2AA75}"/>
+              </a:ext>
+            </a:extLst>
+          </p:cNvPr>
+          <p:cNvPicPr>
+            <a:picLocks noChangeAspect="1"/>
+          </p:cNvPicPr>
           <p:nvPr/>
-        </p:nvSpPr>
+        </p:nvPicPr>
+        <p:blipFill rotWithShape="1">
+          <a:blip r:embed="rId2">
+            <a:extLst>
+              <a:ext uri="{28A0092B-C50C-407E-A947-70E740481C1C}">
+                <a14:useLocalDpi xmlns:a14="http://schemas.microsoft.com/office/drawing/2010/main" val="0"/>
+              </a:ext>
+            </a:extLst>
+          </a:blip>
+          <a:srcRect b="60317"/>
+          <a:stretch/>
+        </p:blipFill>
         <p:spPr>
           <a:xfrm>
-            <a:off x="4951876" y="3068960"/>
-            <a:ext cx="3544560" cy="369332"/>
+            <a:off x="497401" y="4725144"/>
+            <a:ext cx="7530983" cy="1584176"/>
           </a:xfrm>
           <a:prstGeom prst="rect">
             <a:avLst/>
           </a:prstGeom>
-          <a:noFill/>
-        </p:spPr>
-        <p:txBody>
-          <a:bodyPr wrap="none" rtlCol="0">
-            <a:spAutoFit/>
-          </a:bodyPr>
-          <a:lstStyle/>
-          <a:p>
-            <a:r>
-              <a:rPr lang="it-IT" dirty="0" smtClean="0"/>
-              <a:t>Foto sintetica di codice esempio</a:t>
-            </a:r>
-            <a:endParaRPr lang="it-IT" dirty="0"/>
-          </a:p>
-        </p:txBody>
-      </p:sp>
+        </p:spPr>
+      </p:pic>
     </p:spTree>
     <p:extLst>
       <p:ext uri="{BB962C8B-B14F-4D97-AF65-F5344CB8AC3E}">
@@ -7893,25 +7847,18 @@
   <p:clrMapOvr>
     <a:masterClrMapping/>
   </p:clrMapOvr>
-  <mc:AlternateContent xmlns:mc="http://schemas.openxmlformats.org/markup-compatibility/2006">
-    <mc:Choice xmlns:p14="http://schemas.microsoft.com/office/powerpoint/2010/main" Requires="p14">
+  <mc:AlternateContent xmlns:mc="http://schemas.openxmlformats.org/markup-compatibility/2006" xmlns:p14="http://schemas.microsoft.com/office/powerpoint/2010/main">
+    <mc:Choice Requires="p14">
       <p:transition spd="med" p14:dur="700">
         <p:fade/>
       </p:transition>
     </mc:Choice>
-    <mc:Fallback>
+    <mc:Fallback xmlns="">
       <p:transition spd="med">
         <p:fade/>
       </p:transition>
     </mc:Fallback>
   </mc:AlternateContent>
-  <p:timing>
-    <p:tnLst>
-      <p:par>
-        <p:cTn id="1" dur="indefinite" restart="never" nodeType="tmRoot"/>
-      </p:par>
-    </p:tnLst>
-  </p:timing>
 </p:sld>
 </file>
 

--- a/PrototipoCompleto.pptx
+++ b/PrototipoCompleto.pptx
@@ -5322,7 +5322,7 @@
           <a:p>
             <a:r>
               <a:rPr lang="it-IT" sz="3200" dirty="0"/>
-              <a:t>Importare e sincronizzare i moduli</a:t>
+              <a:t>Importare e sincronizzare i moduli su GitHub e Android Studio</a:t>
             </a:r>
           </a:p>
           <a:p>
@@ -5624,6 +5624,36 @@
               </a14:hiddenFill>
             </a:ext>
           </a:extLst>
+        </p:spPr>
+      </p:pic>
+      <p:pic>
+        <p:nvPicPr>
+          <p:cNvPr id="4" name="Immagine 3">
+            <a:extLst>
+              <a:ext uri="{FF2B5EF4-FFF2-40B4-BE49-F238E27FC236}">
+                <a16:creationId xmlns:a16="http://schemas.microsoft.com/office/drawing/2014/main" id="{D90DE56D-8EF6-45D6-BD2A-859FAAC62E35}"/>
+              </a:ext>
+            </a:extLst>
+          </p:cNvPr>
+          <p:cNvPicPr>
+            <a:picLocks noChangeAspect="1"/>
+          </p:cNvPicPr>
+          <p:nvPr/>
+        </p:nvPicPr>
+        <p:blipFill>
+          <a:blip r:embed="rId3"/>
+          <a:stretch>
+            <a:fillRect/>
+          </a:stretch>
+        </p:blipFill>
+        <p:spPr>
+          <a:xfrm>
+            <a:off x="5868144" y="820175"/>
+            <a:ext cx="2414545" cy="4265009"/>
+          </a:xfrm>
+          <a:prstGeom prst="rect">
+            <a:avLst/>
+          </a:prstGeom>
         </p:spPr>
       </p:pic>
     </p:spTree>
@@ -6640,6 +6670,101 @@
           </a:extLst>
         </p:spPr>
       </p:pic>
+      <p:pic>
+        <p:nvPicPr>
+          <p:cNvPr id="8" name="Immagine 7">
+            <a:extLst>
+              <a:ext uri="{FF2B5EF4-FFF2-40B4-BE49-F238E27FC236}">
+                <a16:creationId xmlns:a16="http://schemas.microsoft.com/office/drawing/2014/main" id="{D3FCCCE4-5C09-4429-9E79-89480C60F98A}"/>
+              </a:ext>
+            </a:extLst>
+          </p:cNvPr>
+          <p:cNvPicPr>
+            <a:picLocks noChangeAspect="1"/>
+          </p:cNvPicPr>
+          <p:nvPr/>
+        </p:nvPicPr>
+        <p:blipFill>
+          <a:blip r:embed="rId3"/>
+          <a:stretch>
+            <a:fillRect/>
+          </a:stretch>
+        </p:blipFill>
+        <p:spPr>
+          <a:xfrm>
+            <a:off x="5868144" y="820175"/>
+            <a:ext cx="2414545" cy="4265009"/>
+          </a:xfrm>
+          <a:prstGeom prst="rect">
+            <a:avLst/>
+          </a:prstGeom>
+        </p:spPr>
+      </p:pic>
+      <p:pic>
+        <p:nvPicPr>
+          <p:cNvPr id="12" name="Immagine 11">
+            <a:extLst>
+              <a:ext uri="{FF2B5EF4-FFF2-40B4-BE49-F238E27FC236}">
+                <a16:creationId xmlns:a16="http://schemas.microsoft.com/office/drawing/2014/main" id="{1200F02F-1A12-4672-851A-5A9990F36A7B}"/>
+              </a:ext>
+            </a:extLst>
+          </p:cNvPr>
+          <p:cNvPicPr>
+            <a:picLocks noChangeAspect="1"/>
+          </p:cNvPicPr>
+          <p:nvPr/>
+        </p:nvPicPr>
+        <p:blipFill>
+          <a:blip r:embed="rId4">
+            <a:extLst>
+              <a:ext uri="{28A0092B-C50C-407E-A947-70E740481C1C}">
+                <a14:useLocalDpi xmlns:a14="http://schemas.microsoft.com/office/drawing/2010/main" val="0"/>
+              </a:ext>
+            </a:extLst>
+          </a:blip>
+          <a:stretch>
+            <a:fillRect/>
+          </a:stretch>
+        </p:blipFill>
+        <p:spPr>
+          <a:xfrm>
+            <a:off x="5912255" y="820175"/>
+            <a:ext cx="2404161" cy="4265009"/>
+          </a:xfrm>
+          <a:prstGeom prst="rect">
+            <a:avLst/>
+          </a:prstGeom>
+        </p:spPr>
+      </p:pic>
+      <p:pic>
+        <p:nvPicPr>
+          <p:cNvPr id="6" name="Immagine 5">
+            <a:extLst>
+              <a:ext uri="{FF2B5EF4-FFF2-40B4-BE49-F238E27FC236}">
+                <a16:creationId xmlns:a16="http://schemas.microsoft.com/office/drawing/2014/main" id="{040F060C-20A6-4EB1-9C2F-7ED5D4E38604}"/>
+              </a:ext>
+            </a:extLst>
+          </p:cNvPr>
+          <p:cNvPicPr>
+            <a:picLocks noChangeAspect="1"/>
+          </p:cNvPicPr>
+          <p:nvPr/>
+        </p:nvPicPr>
+        <p:blipFill rotWithShape="1">
+          <a:blip r:embed="rId5"/>
+          <a:srcRect b="1855"/>
+          <a:stretch/>
+        </p:blipFill>
+        <p:spPr>
+          <a:xfrm>
+            <a:off x="5868144" y="827275"/>
+            <a:ext cx="2420940" cy="4257909"/>
+          </a:xfrm>
+          <a:prstGeom prst="rect">
+            <a:avLst/>
+          </a:prstGeom>
+        </p:spPr>
+      </p:pic>
     </p:spTree>
     <p:extLst>
       <p:ext uri="{BB962C8B-B14F-4D97-AF65-F5344CB8AC3E}">
@@ -6662,6 +6787,212 @@
       </p:transition>
     </mc:Fallback>
   </mc:AlternateContent>
+  <p:timing>
+    <p:tnLst>
+      <p:par>
+        <p:cTn id="1" dur="indefinite" restart="never" nodeType="tmRoot">
+          <p:childTnLst>
+            <p:seq concurrent="1" nextAc="seek">
+              <p:cTn id="2" dur="indefinite" nodeType="mainSeq">
+                <p:childTnLst>
+                  <p:par>
+                    <p:cTn id="3" fill="hold">
+                      <p:stCondLst>
+                        <p:cond delay="indefinite"/>
+                      </p:stCondLst>
+                      <p:childTnLst>
+                        <p:par>
+                          <p:cTn id="4" fill="hold">
+                            <p:stCondLst>
+                              <p:cond delay="0"/>
+                            </p:stCondLst>
+                            <p:childTnLst>
+                              <p:par>
+                                <p:cTn id="5" presetID="10" presetClass="exit" presetSubtype="0" fill="hold" nodeType="clickEffect">
+                                  <p:stCondLst>
+                                    <p:cond delay="0"/>
+                                  </p:stCondLst>
+                                  <p:childTnLst>
+                                    <p:animEffect transition="out" filter="fade">
+                                      <p:cBhvr>
+                                        <p:cTn id="6" dur="500"/>
+                                        <p:tgtEl>
+                                          <p:spTgt spid="8"/>
+                                        </p:tgtEl>
+                                      </p:cBhvr>
+                                    </p:animEffect>
+                                    <p:set>
+                                      <p:cBhvr>
+                                        <p:cTn id="7" dur="1" fill="hold">
+                                          <p:stCondLst>
+                                            <p:cond delay="499"/>
+                                          </p:stCondLst>
+                                        </p:cTn>
+                                        <p:tgtEl>
+                                          <p:spTgt spid="8"/>
+                                        </p:tgtEl>
+                                        <p:attrNameLst>
+                                          <p:attrName>style.visibility</p:attrName>
+                                        </p:attrNameLst>
+                                      </p:cBhvr>
+                                      <p:to>
+                                        <p:strVal val="hidden"/>
+                                      </p:to>
+                                    </p:set>
+                                  </p:childTnLst>
+                                </p:cTn>
+                              </p:par>
+                              <p:par>
+                                <p:cTn id="8" presetID="10" presetClass="entr" presetSubtype="0" fill="hold" nodeType="withEffect">
+                                  <p:stCondLst>
+                                    <p:cond delay="0"/>
+                                  </p:stCondLst>
+                                  <p:childTnLst>
+                                    <p:set>
+                                      <p:cBhvr>
+                                        <p:cTn id="9" dur="1" fill="hold">
+                                          <p:stCondLst>
+                                            <p:cond delay="0"/>
+                                          </p:stCondLst>
+                                        </p:cTn>
+                                        <p:tgtEl>
+                                          <p:spTgt spid="6"/>
+                                        </p:tgtEl>
+                                        <p:attrNameLst>
+                                          <p:attrName>style.visibility</p:attrName>
+                                        </p:attrNameLst>
+                                      </p:cBhvr>
+                                      <p:to>
+                                        <p:strVal val="visible"/>
+                                      </p:to>
+                                    </p:set>
+                                    <p:animEffect transition="in" filter="fade">
+                                      <p:cBhvr>
+                                        <p:cTn id="10" dur="500"/>
+                                        <p:tgtEl>
+                                          <p:spTgt spid="6"/>
+                                        </p:tgtEl>
+                                      </p:cBhvr>
+                                    </p:animEffect>
+                                  </p:childTnLst>
+                                </p:cTn>
+                              </p:par>
+                            </p:childTnLst>
+                          </p:cTn>
+                        </p:par>
+                      </p:childTnLst>
+                    </p:cTn>
+                  </p:par>
+                  <p:par>
+                    <p:cTn id="11" fill="hold">
+                      <p:stCondLst>
+                        <p:cond delay="indefinite"/>
+                      </p:stCondLst>
+                      <p:childTnLst>
+                        <p:par>
+                          <p:cTn id="12" fill="hold">
+                            <p:stCondLst>
+                              <p:cond delay="0"/>
+                            </p:stCondLst>
+                            <p:childTnLst>
+                              <p:par>
+                                <p:cTn id="13" presetID="10" presetClass="exit" presetSubtype="0" fill="hold" nodeType="clickEffect">
+                                  <p:stCondLst>
+                                    <p:cond delay="0"/>
+                                  </p:stCondLst>
+                                  <p:childTnLst>
+                                    <p:animEffect transition="out" filter="fade">
+                                      <p:cBhvr>
+                                        <p:cTn id="14" dur="500"/>
+                                        <p:tgtEl>
+                                          <p:spTgt spid="6"/>
+                                        </p:tgtEl>
+                                      </p:cBhvr>
+                                    </p:animEffect>
+                                    <p:set>
+                                      <p:cBhvr>
+                                        <p:cTn id="15" dur="1" fill="hold">
+                                          <p:stCondLst>
+                                            <p:cond delay="499"/>
+                                          </p:stCondLst>
+                                        </p:cTn>
+                                        <p:tgtEl>
+                                          <p:spTgt spid="6"/>
+                                        </p:tgtEl>
+                                        <p:attrNameLst>
+                                          <p:attrName>style.visibility</p:attrName>
+                                        </p:attrNameLst>
+                                      </p:cBhvr>
+                                      <p:to>
+                                        <p:strVal val="hidden"/>
+                                      </p:to>
+                                    </p:set>
+                                  </p:childTnLst>
+                                </p:cTn>
+                              </p:par>
+                              <p:par>
+                                <p:cTn id="16" presetID="10" presetClass="entr" presetSubtype="0" fill="hold" nodeType="withEffect">
+                                  <p:stCondLst>
+                                    <p:cond delay="0"/>
+                                  </p:stCondLst>
+                                  <p:childTnLst>
+                                    <p:set>
+                                      <p:cBhvr>
+                                        <p:cTn id="17" dur="1" fill="hold">
+                                          <p:stCondLst>
+                                            <p:cond delay="0"/>
+                                          </p:stCondLst>
+                                        </p:cTn>
+                                        <p:tgtEl>
+                                          <p:spTgt spid="12"/>
+                                        </p:tgtEl>
+                                        <p:attrNameLst>
+                                          <p:attrName>style.visibility</p:attrName>
+                                        </p:attrNameLst>
+                                      </p:cBhvr>
+                                      <p:to>
+                                        <p:strVal val="visible"/>
+                                      </p:to>
+                                    </p:set>
+                                    <p:animEffect transition="in" filter="fade">
+                                      <p:cBhvr>
+                                        <p:cTn id="18" dur="500"/>
+                                        <p:tgtEl>
+                                          <p:spTgt spid="12"/>
+                                        </p:tgtEl>
+                                      </p:cBhvr>
+                                    </p:animEffect>
+                                  </p:childTnLst>
+                                </p:cTn>
+                              </p:par>
+                            </p:childTnLst>
+                          </p:cTn>
+                        </p:par>
+                      </p:childTnLst>
+                    </p:cTn>
+                  </p:par>
+                </p:childTnLst>
+              </p:cTn>
+              <p:prevCondLst>
+                <p:cond evt="onPrev" delay="0">
+                  <p:tgtEl>
+                    <p:sldTgt/>
+                  </p:tgtEl>
+                </p:cond>
+              </p:prevCondLst>
+              <p:nextCondLst>
+                <p:cond evt="onNext" delay="0">
+                  <p:tgtEl>
+                    <p:sldTgt/>
+                  </p:tgtEl>
+                </p:cond>
+              </p:nextCondLst>
+            </p:seq>
+          </p:childTnLst>
+        </p:cTn>
+      </p:par>
+    </p:tnLst>
+  </p:timing>
 </p:sld>
 </file>
 
@@ -6886,6 +7217,41 @@
               </a14:hiddenFill>
             </a:ext>
           </a:extLst>
+        </p:spPr>
+      </p:pic>
+      <p:pic>
+        <p:nvPicPr>
+          <p:cNvPr id="7" name="Immagine 6">
+            <a:extLst>
+              <a:ext uri="{FF2B5EF4-FFF2-40B4-BE49-F238E27FC236}">
+                <a16:creationId xmlns:a16="http://schemas.microsoft.com/office/drawing/2014/main" id="{F453BC5A-D738-4C90-A59F-ED366BCE2A92}"/>
+              </a:ext>
+            </a:extLst>
+          </p:cNvPr>
+          <p:cNvPicPr>
+            <a:picLocks noChangeAspect="1"/>
+          </p:cNvPicPr>
+          <p:nvPr/>
+        </p:nvPicPr>
+        <p:blipFill rotWithShape="1">
+          <a:blip r:embed="rId3">
+            <a:extLst>
+              <a:ext uri="{28A0092B-C50C-407E-A947-70E740481C1C}">
+                <a14:useLocalDpi xmlns:a14="http://schemas.microsoft.com/office/drawing/2010/main" val="0"/>
+              </a:ext>
+            </a:extLst>
+          </a:blip>
+          <a:srcRect/>
+          <a:stretch/>
+        </p:blipFill>
+        <p:spPr>
+          <a:xfrm>
+            <a:off x="5868144" y="858748"/>
+            <a:ext cx="2445443" cy="4082420"/>
+          </a:xfrm>
+          <a:prstGeom prst="rect">
+            <a:avLst/>
+          </a:prstGeom>
         </p:spPr>
       </p:pic>
     </p:spTree>
@@ -7134,6 +7500,41 @@
               </a14:hiddenFill>
             </a:ext>
           </a:extLst>
+        </p:spPr>
+      </p:pic>
+      <p:pic>
+        <p:nvPicPr>
+          <p:cNvPr id="7" name="Immagine 6">
+            <a:extLst>
+              <a:ext uri="{FF2B5EF4-FFF2-40B4-BE49-F238E27FC236}">
+                <a16:creationId xmlns:a16="http://schemas.microsoft.com/office/drawing/2014/main" id="{5BA457A2-E7C4-4FD2-ACFB-57284E0265A5}"/>
+              </a:ext>
+            </a:extLst>
+          </p:cNvPr>
+          <p:cNvPicPr>
+            <a:picLocks noChangeAspect="1"/>
+          </p:cNvPicPr>
+          <p:nvPr/>
+        </p:nvPicPr>
+        <p:blipFill rotWithShape="1">
+          <a:blip r:embed="rId3">
+            <a:extLst>
+              <a:ext uri="{28A0092B-C50C-407E-A947-70E740481C1C}">
+                <a14:useLocalDpi xmlns:a14="http://schemas.microsoft.com/office/drawing/2010/main" val="0"/>
+              </a:ext>
+            </a:extLst>
+          </a:blip>
+          <a:srcRect l="1071" t="531" r="1"/>
+          <a:stretch/>
+        </p:blipFill>
+        <p:spPr>
+          <a:xfrm>
+            <a:off x="5868144" y="836712"/>
+            <a:ext cx="2448272" cy="4144496"/>
+          </a:xfrm>
+          <a:prstGeom prst="rect">
+            <a:avLst/>
+          </a:prstGeom>
         </p:spPr>
       </p:pic>
     </p:spTree>

--- a/PrototipoCompleto.pptx
+++ b/PrototipoCompleto.pptx
@@ -6728,7 +6728,7 @@
         </p:blipFill>
         <p:spPr>
           <a:xfrm>
-            <a:off x="5912255" y="820175"/>
+            <a:off x="5868144" y="820175"/>
             <a:ext cx="2404161" cy="4265009"/>
           </a:xfrm>
           <a:prstGeom prst="rect">

--- a/PrototipoCompleto.pptx
+++ b/PrototipoCompleto.pptx
@@ -11,10 +11,11 @@
     <p:sldId id="259" r:id="rId5"/>
     <p:sldId id="260" r:id="rId6"/>
     <p:sldId id="261" r:id="rId7"/>
-    <p:sldId id="262" r:id="rId8"/>
-    <p:sldId id="263" r:id="rId9"/>
-    <p:sldId id="264" r:id="rId10"/>
-    <p:sldId id="265" r:id="rId11"/>
+    <p:sldId id="266" r:id="rId8"/>
+    <p:sldId id="262" r:id="rId9"/>
+    <p:sldId id="263" r:id="rId10"/>
+    <p:sldId id="264" r:id="rId11"/>
+    <p:sldId id="265" r:id="rId12"/>
   </p:sldIdLst>
   <p:sldSz cx="9144000" cy="6858000" type="screen4x3"/>
   <p:notesSz cx="6858000" cy="9144000"/>
@@ -273,7 +274,7 @@
           <a:p>
             <a:fld id="{2166AFCE-304B-4B51-B075-0985B4FC0D2C}" type="datetimeFigureOut">
               <a:rPr lang="it-IT" smtClean="0"/>
-              <a:t>05/12/2017</a:t>
+              <a:t>06/12/2017</a:t>
             </a:fld>
             <a:endParaRPr lang="it-IT"/>
           </a:p>
@@ -1154,7 +1155,7 @@
           <a:p>
             <a:fld id="{2166AFCE-304B-4B51-B075-0985B4FC0D2C}" type="datetimeFigureOut">
               <a:rPr lang="it-IT" smtClean="0"/>
-              <a:t>05/12/2017</a:t>
+              <a:t>06/12/2017</a:t>
             </a:fld>
             <a:endParaRPr lang="it-IT"/>
           </a:p>
@@ -1341,7 +1342,7 @@
           <a:p>
             <a:fld id="{2166AFCE-304B-4B51-B075-0985B4FC0D2C}" type="datetimeFigureOut">
               <a:rPr lang="it-IT" smtClean="0"/>
-              <a:t>05/12/2017</a:t>
+              <a:t>06/12/2017</a:t>
             </a:fld>
             <a:endParaRPr lang="it-IT"/>
           </a:p>
@@ -1523,7 +1524,7 @@
           <a:p>
             <a:fld id="{2166AFCE-304B-4B51-B075-0985B4FC0D2C}" type="datetimeFigureOut">
               <a:rPr lang="it-IT" smtClean="0"/>
-              <a:t>05/12/2017</a:t>
+              <a:t>06/12/2017</a:t>
             </a:fld>
             <a:endParaRPr lang="it-IT"/>
           </a:p>
@@ -1745,7 +1746,7 @@
           <a:p>
             <a:fld id="{2166AFCE-304B-4B51-B075-0985B4FC0D2C}" type="datetimeFigureOut">
               <a:rPr lang="it-IT" smtClean="0"/>
-              <a:t>05/12/2017</a:t>
+              <a:t>06/12/2017</a:t>
             </a:fld>
             <a:endParaRPr lang="it-IT"/>
           </a:p>
@@ -2571,7 +2572,7 @@
           <a:p>
             <a:fld id="{2166AFCE-304B-4B51-B075-0985B4FC0D2C}" type="datetimeFigureOut">
               <a:rPr lang="it-IT" smtClean="0"/>
-              <a:t>05/12/2017</a:t>
+              <a:t>06/12/2017</a:t>
             </a:fld>
             <a:endParaRPr lang="it-IT"/>
           </a:p>
@@ -2819,7 +2820,7 @@
           <a:p>
             <a:fld id="{2166AFCE-304B-4B51-B075-0985B4FC0D2C}" type="datetimeFigureOut">
               <a:rPr lang="it-IT" smtClean="0"/>
-              <a:t>05/12/2017</a:t>
+              <a:t>06/12/2017</a:t>
             </a:fld>
             <a:endParaRPr lang="it-IT"/>
           </a:p>
@@ -3154,7 +3155,7 @@
           <a:p>
             <a:fld id="{2166AFCE-304B-4B51-B075-0985B4FC0D2C}" type="datetimeFigureOut">
               <a:rPr lang="it-IT" smtClean="0"/>
-              <a:t>05/12/2017</a:t>
+              <a:t>06/12/2017</a:t>
             </a:fld>
             <a:endParaRPr lang="it-IT"/>
           </a:p>
@@ -3256,7 +3257,7 @@
           <a:p>
             <a:fld id="{2166AFCE-304B-4B51-B075-0985B4FC0D2C}" type="datetimeFigureOut">
               <a:rPr lang="it-IT" smtClean="0"/>
-              <a:t>05/12/2017</a:t>
+              <a:t>06/12/2017</a:t>
             </a:fld>
             <a:endParaRPr lang="it-IT"/>
           </a:p>
@@ -3785,7 +3786,7 @@
           <a:p>
             <a:fld id="{2166AFCE-304B-4B51-B075-0985B4FC0D2C}" type="datetimeFigureOut">
               <a:rPr lang="it-IT" smtClean="0"/>
-              <a:t>05/12/2017</a:t>
+              <a:t>06/12/2017</a:t>
             </a:fld>
             <a:endParaRPr lang="it-IT"/>
           </a:p>
@@ -4308,7 +4309,7 @@
           <a:p>
             <a:fld id="{2166AFCE-304B-4B51-B075-0985B4FC0D2C}" type="datetimeFigureOut">
               <a:rPr lang="it-IT" smtClean="0"/>
-              <a:t>05/12/2017</a:t>
+              <a:t>06/12/2017</a:t>
             </a:fld>
             <a:endParaRPr lang="it-IT"/>
           </a:p>
@@ -4565,7 +4566,7 @@
           <a:p>
             <a:fld id="{2166AFCE-304B-4B51-B075-0985B4FC0D2C}" type="datetimeFigureOut">
               <a:rPr lang="it-IT" smtClean="0"/>
-              <a:t>05/12/2017</a:t>
+              <a:t>06/12/2017</a:t>
             </a:fld>
             <a:endParaRPr lang="it-IT"/>
           </a:p>
@@ -5198,12 +5199,8 @@
           <a:lstStyle/>
           <a:p>
             <a:r>
-              <a:rPr lang="it-IT" dirty="0" err="1"/>
-              <a:t>Ticekt</a:t>
-            </a:r>
-            <a:r>
-              <a:rPr lang="it-IT" dirty="0"/>
-              <a:t> </a:t>
+              <a:rPr lang="it-IT"/>
+              <a:t>Ticket </a:t>
             </a:r>
             <a:r>
               <a:rPr lang="it-IT" dirty="0" err="1"/>
@@ -5297,7 +5294,15 @@
           <a:p>
             <a:r>
               <a:rPr lang="it-IT" dirty="0"/>
-              <a:t>Principali criticità affrontate</a:t>
+              <a:t>Realizzazione: </a:t>
+            </a:r>
+            <a:r>
+              <a:rPr lang="it-IT" sz="1800" b="1" dirty="0">
+                <a:latin typeface="+mn-lt"/>
+                <a:ea typeface="+mn-ea"/>
+                <a:cs typeface="+mn-cs"/>
+              </a:rPr>
+              <a:t>Modulo DB info</a:t>
             </a:r>
           </a:p>
         </p:txBody>
@@ -5312,32 +5317,26 @@
             <p:ph sz="quarter" idx="1"/>
           </p:nvPr>
         </p:nvSpPr>
-        <p:spPr/>
+        <p:spPr>
+          <a:xfrm>
+            <a:off x="457200" y="1600200"/>
+            <a:ext cx="3898776" cy="4873752"/>
+          </a:xfrm>
+        </p:spPr>
         <p:txBody>
           <a:bodyPr/>
           <a:lstStyle/>
           <a:p>
-            <a:endParaRPr lang="it-IT" dirty="0"/>
-          </a:p>
-          <a:p>
-            <a:r>
-              <a:rPr lang="it-IT" sz="3200" dirty="0"/>
-              <a:t>Importare e sincronizzare i moduli su GitHub e Android Studio</a:t>
-            </a:r>
-          </a:p>
-          <a:p>
-            <a:endParaRPr lang="it-IT" dirty="0"/>
-          </a:p>
-          <a:p>
-            <a:r>
-              <a:rPr lang="it-IT" sz="2800" dirty="0">
+            <a:r>
+              <a:rPr lang="it-IT" dirty="0">
                 <a:solidFill>
                   <a:schemeClr val="tx2">
-                    <a:lumMod val="50000"/>
+                    <a:lumMod val="60000"/>
+                    <a:lumOff val="40000"/>
                   </a:schemeClr>
                 </a:solidFill>
               </a:rPr>
-              <a:t>Capire il codice di altri</a:t>
+              <a:t>Database</a:t>
             </a:r>
           </a:p>
           <a:p>
@@ -5345,47 +5344,56 @@
           </a:p>
           <a:p>
             <a:r>
-              <a:rPr lang="it-IT" sz="2000" dirty="0">
+              <a:rPr lang="it-IT" dirty="0">
                 <a:solidFill>
                   <a:schemeClr val="tx2">
-                    <a:lumMod val="75000"/>
+                    <a:lumMod val="60000"/>
+                    <a:lumOff val="40000"/>
                   </a:schemeClr>
                 </a:solidFill>
               </a:rPr>
-              <a:t>Gestire il flusso di informazioni utilizzando classi </a:t>
-            </a:r>
-            <a:r>
-              <a:rPr lang="it-IT" sz="2000" dirty="0" err="1">
+              <a:t>Room </a:t>
+            </a:r>
+            <a:r>
+              <a:rPr lang="it-IT" dirty="0" err="1">
                 <a:solidFill>
                   <a:schemeClr val="tx2">
-                    <a:lumMod val="75000"/>
+                    <a:lumMod val="60000"/>
+                    <a:lumOff val="40000"/>
                   </a:schemeClr>
                 </a:solidFill>
               </a:rPr>
-              <a:t>wrapper</a:t>
-            </a:r>
-            <a:endParaRPr lang="it-IT" sz="2000" dirty="0">
-              <a:solidFill>
-                <a:schemeClr val="tx2">
-                  <a:lumMod val="75000"/>
-                </a:schemeClr>
-              </a:solidFill>
-            </a:endParaRPr>
+              <a:t>Persistence</a:t>
+            </a:r>
+            <a:r>
+              <a:rPr lang="it-IT" dirty="0">
+                <a:solidFill>
+                  <a:schemeClr val="tx2">
+                    <a:lumMod val="60000"/>
+                    <a:lumOff val="40000"/>
+                  </a:schemeClr>
+                </a:solidFill>
+              </a:rPr>
+              <a:t> Library</a:t>
+            </a:r>
           </a:p>
           <a:p>
             <a:endParaRPr lang="it-IT" dirty="0"/>
           </a:p>
           <a:p>
+            <a:r>
+              <a:rPr lang="it-IT" b="1" dirty="0"/>
+              <a:t>Interfacce esposte agli altri gruppi</a:t>
+            </a:r>
+          </a:p>
+          <a:p>
             <a:endParaRPr lang="it-IT" dirty="0"/>
           </a:p>
-          <a:p>
-            <a:endParaRPr lang="it-IT" dirty="0"/>
-          </a:p>
-        </p:txBody>
-      </p:sp>
-      <p:sp>
-        <p:nvSpPr>
-          <p:cNvPr id="5" name="Titolo 1"/>
+        </p:txBody>
+      </p:sp>
+      <p:sp>
+        <p:nvSpPr>
+          <p:cNvPr id="4" name="Titolo 1"/>
           <p:cNvSpPr txBox="1">
             <a:spLocks/>
           </p:cNvSpPr>
@@ -5424,6 +5432,231 @@
             <a:r>
               <a:rPr lang="it-IT" dirty="0"/>
               <a:t>9</a:t>
+            </a:r>
+          </a:p>
+        </p:txBody>
+      </p:sp>
+      <p:pic>
+        <p:nvPicPr>
+          <p:cNvPr id="9" name="Immagine 8">
+            <a:extLst>
+              <a:ext uri="{FF2B5EF4-FFF2-40B4-BE49-F238E27FC236}">
+                <a16:creationId xmlns:a16="http://schemas.microsoft.com/office/drawing/2014/main" id="{105875F7-08A7-41F6-8E9E-2CA60BC2AA75}"/>
+              </a:ext>
+            </a:extLst>
+          </p:cNvPr>
+          <p:cNvPicPr>
+            <a:picLocks noChangeAspect="1"/>
+          </p:cNvPicPr>
+          <p:nvPr/>
+        </p:nvPicPr>
+        <p:blipFill rotWithShape="1">
+          <a:blip r:embed="rId2">
+            <a:extLst>
+              <a:ext uri="{28A0092B-C50C-407E-A947-70E740481C1C}">
+                <a14:useLocalDpi xmlns:a14="http://schemas.microsoft.com/office/drawing/2010/main" val="0"/>
+              </a:ext>
+            </a:extLst>
+          </a:blip>
+          <a:srcRect b="60317"/>
+          <a:stretch/>
+        </p:blipFill>
+        <p:spPr>
+          <a:xfrm>
+            <a:off x="497401" y="4725144"/>
+            <a:ext cx="7530983" cy="1584176"/>
+          </a:xfrm>
+          <a:prstGeom prst="rect">
+            <a:avLst/>
+          </a:prstGeom>
+        </p:spPr>
+      </p:pic>
+    </p:spTree>
+    <p:extLst>
+      <p:ext uri="{BB962C8B-B14F-4D97-AF65-F5344CB8AC3E}">
+        <p14:creationId xmlns:p14="http://schemas.microsoft.com/office/powerpoint/2010/main" val="3782596961"/>
+      </p:ext>
+    </p:extLst>
+  </p:cSld>
+  <p:clrMapOvr>
+    <a:masterClrMapping/>
+  </p:clrMapOvr>
+  <mc:AlternateContent xmlns:mc="http://schemas.openxmlformats.org/markup-compatibility/2006" xmlns:p14="http://schemas.microsoft.com/office/powerpoint/2010/main">
+    <mc:Choice Requires="p14">
+      <p:transition spd="med" p14:dur="700">
+        <p:fade/>
+      </p:transition>
+    </mc:Choice>
+    <mc:Fallback xmlns="">
+      <p:transition spd="med">
+        <p:fade/>
+      </p:transition>
+    </mc:Fallback>
+  </mc:AlternateContent>
+</p:sld>
+</file>
+
+<file path=ppt/slides/slide11.xml><?xml version="1.0" encoding="utf-8"?>
+<p:sld xmlns:a="http://schemas.openxmlformats.org/drawingml/2006/main" xmlns:r="http://schemas.openxmlformats.org/officeDocument/2006/relationships" xmlns:p="http://schemas.openxmlformats.org/presentationml/2006/main">
+  <p:cSld>
+    <p:spTree>
+      <p:nvGrpSpPr>
+        <p:cNvPr id="1" name=""/>
+        <p:cNvGrpSpPr/>
+        <p:nvPr/>
+      </p:nvGrpSpPr>
+      <p:grpSpPr>
+        <a:xfrm>
+          <a:off x="0" y="0"/>
+          <a:ext cx="0" cy="0"/>
+          <a:chOff x="0" y="0"/>
+          <a:chExt cx="0" cy="0"/>
+        </a:xfrm>
+      </p:grpSpPr>
+      <p:sp>
+        <p:nvSpPr>
+          <p:cNvPr id="2" name="Titolo 1"/>
+          <p:cNvSpPr>
+            <a:spLocks noGrp="1"/>
+          </p:cNvSpPr>
+          <p:nvPr>
+            <p:ph type="title"/>
+          </p:nvPr>
+        </p:nvSpPr>
+        <p:spPr/>
+        <p:txBody>
+          <a:bodyPr/>
+          <a:lstStyle/>
+          <a:p>
+            <a:r>
+              <a:rPr lang="it-IT" dirty="0"/>
+              <a:t>Principali criticità affrontate</a:t>
+            </a:r>
+          </a:p>
+        </p:txBody>
+      </p:sp>
+      <p:sp>
+        <p:nvSpPr>
+          <p:cNvPr id="3" name="Segnaposto contenuto 2"/>
+          <p:cNvSpPr>
+            <a:spLocks noGrp="1"/>
+          </p:cNvSpPr>
+          <p:nvPr>
+            <p:ph sz="quarter" idx="1"/>
+          </p:nvPr>
+        </p:nvSpPr>
+        <p:spPr/>
+        <p:txBody>
+          <a:bodyPr/>
+          <a:lstStyle/>
+          <a:p>
+            <a:endParaRPr lang="it-IT" dirty="0"/>
+          </a:p>
+          <a:p>
+            <a:r>
+              <a:rPr lang="it-IT" sz="3200" dirty="0"/>
+              <a:t>Importare e sincronizzare i moduli su GitHub e Android Studio</a:t>
+            </a:r>
+          </a:p>
+          <a:p>
+            <a:endParaRPr lang="it-IT" dirty="0"/>
+          </a:p>
+          <a:p>
+            <a:r>
+              <a:rPr lang="it-IT" sz="2800" dirty="0">
+                <a:solidFill>
+                  <a:schemeClr val="tx2">
+                    <a:lumMod val="50000"/>
+                  </a:schemeClr>
+                </a:solidFill>
+              </a:rPr>
+              <a:t>Capire il codice di altri</a:t>
+            </a:r>
+          </a:p>
+          <a:p>
+            <a:endParaRPr lang="it-IT" dirty="0"/>
+          </a:p>
+          <a:p>
+            <a:r>
+              <a:rPr lang="it-IT" sz="2000" dirty="0">
+                <a:solidFill>
+                  <a:schemeClr val="tx2">
+                    <a:lumMod val="75000"/>
+                  </a:schemeClr>
+                </a:solidFill>
+              </a:rPr>
+              <a:t>Gestire il flusso di informazioni utilizzando classi </a:t>
+            </a:r>
+            <a:r>
+              <a:rPr lang="it-IT" sz="2000" dirty="0" err="1">
+                <a:solidFill>
+                  <a:schemeClr val="tx2">
+                    <a:lumMod val="75000"/>
+                  </a:schemeClr>
+                </a:solidFill>
+              </a:rPr>
+              <a:t>wrapper</a:t>
+            </a:r>
+            <a:endParaRPr lang="it-IT" sz="2000" dirty="0">
+              <a:solidFill>
+                <a:schemeClr val="tx2">
+                  <a:lumMod val="75000"/>
+                </a:schemeClr>
+              </a:solidFill>
+            </a:endParaRPr>
+          </a:p>
+          <a:p>
+            <a:endParaRPr lang="it-IT" dirty="0"/>
+          </a:p>
+          <a:p>
+            <a:endParaRPr lang="it-IT" dirty="0"/>
+          </a:p>
+          <a:p>
+            <a:endParaRPr lang="it-IT" dirty="0"/>
+          </a:p>
+        </p:txBody>
+      </p:sp>
+      <p:sp>
+        <p:nvSpPr>
+          <p:cNvPr id="5" name="Titolo 1"/>
+          <p:cNvSpPr txBox="1">
+            <a:spLocks/>
+          </p:cNvSpPr>
+          <p:nvPr/>
+        </p:nvSpPr>
+        <p:spPr>
+          <a:xfrm>
+            <a:off x="8100392" y="5661248"/>
+            <a:ext cx="648072" cy="566936"/>
+          </a:xfrm>
+          <a:prstGeom prst="rect">
+            <a:avLst/>
+          </a:prstGeom>
+        </p:spPr>
+        <p:txBody>
+          <a:bodyPr vert="horz" anchor="b">
+            <a:normAutofit/>
+          </a:bodyPr>
+          <a:lstStyle>
+            <a:lvl1pPr algn="l" rtl="0" eaLnBrk="1" latinLnBrk="0" hangingPunct="1">
+              <a:spcBef>
+                <a:spcPct val="0"/>
+              </a:spcBef>
+              <a:buNone/>
+              <a:defRPr kumimoji="0" sz="3000" b="0" kern="1200" cap="small" baseline="0">
+                <a:solidFill>
+                  <a:schemeClr val="tx2"/>
+                </a:solidFill>
+                <a:latin typeface="+mj-lt"/>
+                <a:ea typeface="+mj-ea"/>
+                <a:cs typeface="+mj-cs"/>
+              </a:defRPr>
+            </a:lvl1pPr>
+          </a:lstStyle>
+          <a:p>
+            <a:r>
+              <a:rPr lang="it-IT" dirty="0"/>
+              <a:t>10</a:t>
             </a:r>
           </a:p>
         </p:txBody>
@@ -7596,7 +7829,7 @@
           <a:p>
             <a:r>
               <a:rPr lang="it-IT" dirty="0"/>
-              <a:t>Realizzazione: </a:t>
+              <a:t>Come Funziona: </a:t>
             </a:r>
             <a:r>
               <a:rPr lang="it-IT" sz="1800" b="1" dirty="0">
@@ -7604,92 +7837,8 @@
                 <a:ea typeface="+mn-ea"/>
                 <a:cs typeface="+mn-cs"/>
               </a:rPr>
-              <a:t>Modulo DB info</a:t>
-            </a:r>
-          </a:p>
-        </p:txBody>
-      </p:sp>
-      <p:sp>
-        <p:nvSpPr>
-          <p:cNvPr id="3" name="Segnaposto contenuto 2"/>
-          <p:cNvSpPr>
-            <a:spLocks noGrp="1"/>
-          </p:cNvSpPr>
-          <p:nvPr>
-            <p:ph sz="quarter" idx="1"/>
-          </p:nvPr>
-        </p:nvSpPr>
-        <p:spPr>
-          <a:xfrm>
-            <a:off x="457200" y="1600200"/>
-            <a:ext cx="3898776" cy="4873752"/>
-          </a:xfrm>
-        </p:spPr>
-        <p:txBody>
-          <a:bodyPr/>
-          <a:lstStyle/>
-          <a:p>
-            <a:r>
-              <a:rPr lang="it-IT" b="1" dirty="0"/>
-              <a:t>Database</a:t>
-            </a:r>
-          </a:p>
-          <a:p>
-            <a:endParaRPr lang="it-IT" dirty="0"/>
-          </a:p>
-          <a:p>
-            <a:r>
-              <a:rPr lang="it-IT" dirty="0">
-                <a:solidFill>
-                  <a:schemeClr val="tx2">
-                    <a:lumMod val="60000"/>
-                    <a:lumOff val="40000"/>
-                  </a:schemeClr>
-                </a:solidFill>
-              </a:rPr>
-              <a:t>Room </a:t>
-            </a:r>
-            <a:r>
-              <a:rPr lang="it-IT" dirty="0" err="1">
-                <a:solidFill>
-                  <a:schemeClr val="tx2">
-                    <a:lumMod val="60000"/>
-                    <a:lumOff val="40000"/>
-                  </a:schemeClr>
-                </a:solidFill>
-              </a:rPr>
-              <a:t>Persistence</a:t>
-            </a:r>
-            <a:r>
-              <a:rPr lang="it-IT" dirty="0">
-                <a:solidFill>
-                  <a:schemeClr val="tx2">
-                    <a:lumMod val="60000"/>
-                    <a:lumOff val="40000"/>
-                  </a:schemeClr>
-                </a:solidFill>
-              </a:rPr>
-              <a:t> Library</a:t>
-            </a:r>
-          </a:p>
-          <a:p>
-            <a:endParaRPr lang="it-IT" dirty="0"/>
-          </a:p>
-          <a:p>
-            <a:r>
-              <a:rPr lang="it-IT" dirty="0">
-                <a:solidFill>
-                  <a:schemeClr val="tx2">
-                    <a:lumMod val="60000"/>
-                    <a:lumOff val="40000"/>
-                  </a:schemeClr>
-                </a:solidFill>
-              </a:rPr>
-              <a:t>Interfacce esposte agli altri gruppi</a:t>
-            </a:r>
-          </a:p>
-          <a:p>
-            <a:endParaRPr lang="it-IT" dirty="0"/>
+              <a:t>workflow</a:t>
+            </a:r>
           </a:p>
         </p:txBody>
       </p:sp>
@@ -7740,10 +7889,10 @@
       </p:sp>
       <p:pic>
         <p:nvPicPr>
-          <p:cNvPr id="6" name="Immagine 5">
+          <p:cNvPr id="10" name="Immagine 9">
             <a:extLst>
               <a:ext uri="{FF2B5EF4-FFF2-40B4-BE49-F238E27FC236}">
-                <a16:creationId xmlns:a16="http://schemas.microsoft.com/office/drawing/2014/main" id="{65C07645-033D-4B4F-81D5-35DE430A4105}"/>
+                <a16:creationId xmlns:a16="http://schemas.microsoft.com/office/drawing/2014/main" id="{9348D30F-BA44-4E3E-A494-D3544430C09D}"/>
               </a:ext>
             </a:extLst>
           </p:cNvPr>
@@ -7753,7 +7902,7 @@
           <p:nvPr/>
         </p:nvPicPr>
         <p:blipFill>
-          <a:blip r:embed="rId2" cstate="print">
+          <a:blip r:embed="rId2">
             <a:extLst>
               <a:ext uri="{28A0092B-C50C-407E-A947-70E740481C1C}">
                 <a14:useLocalDpi xmlns:a14="http://schemas.microsoft.com/office/drawing/2010/main" val="0"/>
@@ -7766,8 +7915,8 @@
         </p:blipFill>
         <p:spPr>
           <a:xfrm>
-            <a:off x="4067944" y="1916978"/>
-            <a:ext cx="4603228" cy="3096198"/>
+            <a:off x="1259632" y="1443356"/>
+            <a:ext cx="6336704" cy="4818354"/>
           </a:xfrm>
           <a:prstGeom prst="rect">
             <a:avLst/>
@@ -7777,7 +7926,7 @@
     </p:spTree>
     <p:extLst>
       <p:ext uri="{BB962C8B-B14F-4D97-AF65-F5344CB8AC3E}">
-        <p14:creationId xmlns:p14="http://schemas.microsoft.com/office/powerpoint/2010/main" val="122235661"/>
+        <p14:creationId xmlns:p14="http://schemas.microsoft.com/office/powerpoint/2010/main" val="1926072402"/>
       </p:ext>
     </p:extLst>
   </p:cSld>
@@ -7867,6 +8016,15 @@
           <a:lstStyle/>
           <a:p>
             <a:r>
+              <a:rPr lang="it-IT" b="1" dirty="0"/>
+              <a:t>Database</a:t>
+            </a:r>
+          </a:p>
+          <a:p>
+            <a:endParaRPr lang="it-IT" dirty="0"/>
+          </a:p>
+          <a:p>
+            <a:r>
               <a:rPr lang="it-IT" dirty="0">
                 <a:solidFill>
                   <a:schemeClr val="tx2">
@@ -7875,23 +8033,28 @@
                   </a:schemeClr>
                 </a:solidFill>
               </a:rPr>
-              <a:t>Database</a:t>
-            </a:r>
-          </a:p>
-          <a:p>
-            <a:endParaRPr lang="it-IT" dirty="0"/>
-          </a:p>
-          <a:p>
-            <a:r>
-              <a:rPr lang="it-IT" b="1" dirty="0"/>
               <a:t>Room </a:t>
             </a:r>
             <a:r>
-              <a:rPr lang="it-IT" b="1" dirty="0" err="1"/>
+              <a:rPr lang="it-IT" dirty="0" err="1">
+                <a:solidFill>
+                  <a:schemeClr val="tx2">
+                    <a:lumMod val="60000"/>
+                    <a:lumOff val="40000"/>
+                  </a:schemeClr>
+                </a:solidFill>
+              </a:rPr>
               <a:t>Persistence</a:t>
             </a:r>
             <a:r>
-              <a:rPr lang="it-IT" b="1" dirty="0"/>
+              <a:rPr lang="it-IT" dirty="0">
+                <a:solidFill>
+                  <a:schemeClr val="tx2">
+                    <a:lumMod val="60000"/>
+                    <a:lumOff val="40000"/>
+                  </a:schemeClr>
+                </a:solidFill>
+              </a:rPr>
               <a:t> Library</a:t>
             </a:r>
           </a:p>
@@ -7963,49 +8126,44 @@
       </p:sp>
       <p:pic>
         <p:nvPicPr>
-          <p:cNvPr id="2050" name="Picture 2" descr="C:\Users\User\Desktop\room.png"/>
+          <p:cNvPr id="6" name="Immagine 5">
+            <a:extLst>
+              <a:ext uri="{FF2B5EF4-FFF2-40B4-BE49-F238E27FC236}">
+                <a16:creationId xmlns:a16="http://schemas.microsoft.com/office/drawing/2014/main" id="{65C07645-033D-4B4F-81D5-35DE430A4105}"/>
+              </a:ext>
+            </a:extLst>
+          </p:cNvPr>
           <p:cNvPicPr>
-            <a:picLocks noChangeAspect="1" noChangeArrowheads="1"/>
+            <a:picLocks noChangeAspect="1"/>
           </p:cNvPicPr>
           <p:nvPr/>
         </p:nvPicPr>
         <p:blipFill>
-          <a:blip r:embed="rId2">
+          <a:blip r:embed="rId2" cstate="print">
             <a:extLst>
               <a:ext uri="{28A0092B-C50C-407E-A947-70E740481C1C}">
                 <a14:useLocalDpi xmlns:a14="http://schemas.microsoft.com/office/drawing/2010/main" val="0"/>
               </a:ext>
             </a:extLst>
           </a:blip>
-          <a:srcRect/>
           <a:stretch>
             <a:fillRect/>
           </a:stretch>
         </p:blipFill>
-        <p:spPr bwMode="auto">
-          <a:xfrm>
-            <a:off x="4355976" y="1744973"/>
-            <a:ext cx="4119835" cy="3721586"/>
+        <p:spPr>
+          <a:xfrm>
+            <a:off x="4067944" y="1916978"/>
+            <a:ext cx="4603228" cy="3096198"/>
           </a:xfrm>
           <a:prstGeom prst="rect">
             <a:avLst/>
           </a:prstGeom>
-          <a:noFill/>
-          <a:extLst>
-            <a:ext uri="{909E8E84-426E-40DD-AFC4-6F175D3DCCD1}">
-              <a14:hiddenFill xmlns:a14="http://schemas.microsoft.com/office/drawing/2010/main">
-                <a:solidFill>
-                  <a:srgbClr val="FFFFFF"/>
-                </a:solidFill>
-              </a14:hiddenFill>
-            </a:ext>
-          </a:extLst>
         </p:spPr>
       </p:pic>
     </p:spTree>
     <p:extLst>
       <p:ext uri="{BB962C8B-B14F-4D97-AF65-F5344CB8AC3E}">
-        <p14:creationId xmlns:p14="http://schemas.microsoft.com/office/powerpoint/2010/main" val="2878445438"/>
+        <p14:creationId xmlns:p14="http://schemas.microsoft.com/office/powerpoint/2010/main" val="122235661"/>
       </p:ext>
     </p:extLst>
   </p:cSld>
@@ -8111,6 +8269,23 @@
           </a:p>
           <a:p>
             <a:r>
+              <a:rPr lang="it-IT" b="1" dirty="0"/>
+              <a:t>Room </a:t>
+            </a:r>
+            <a:r>
+              <a:rPr lang="it-IT" b="1" dirty="0" err="1"/>
+              <a:t>Persistence</a:t>
+            </a:r>
+            <a:r>
+              <a:rPr lang="it-IT" b="1" dirty="0"/>
+              <a:t> Library</a:t>
+            </a:r>
+          </a:p>
+          <a:p>
+            <a:endParaRPr lang="it-IT" dirty="0"/>
+          </a:p>
+          <a:p>
+            <a:r>
               <a:rPr lang="it-IT" dirty="0">
                 <a:solidFill>
                   <a:schemeClr val="tx2">
@@ -8119,37 +8294,6 @@
                   </a:schemeClr>
                 </a:solidFill>
               </a:rPr>
-              <a:t>Room </a:t>
-            </a:r>
-            <a:r>
-              <a:rPr lang="it-IT" dirty="0" err="1">
-                <a:solidFill>
-                  <a:schemeClr val="tx2">
-                    <a:lumMod val="60000"/>
-                    <a:lumOff val="40000"/>
-                  </a:schemeClr>
-                </a:solidFill>
-              </a:rPr>
-              <a:t>Persistence</a:t>
-            </a:r>
-            <a:r>
-              <a:rPr lang="it-IT" dirty="0">
-                <a:solidFill>
-                  <a:schemeClr val="tx2">
-                    <a:lumMod val="60000"/>
-                    <a:lumOff val="40000"/>
-                  </a:schemeClr>
-                </a:solidFill>
-              </a:rPr>
-              <a:t> Library</a:t>
-            </a:r>
-          </a:p>
-          <a:p>
-            <a:endParaRPr lang="it-IT" dirty="0"/>
-          </a:p>
-          <a:p>
-            <a:r>
-              <a:rPr lang="it-IT" b="1" dirty="0"/>
               <a:t>Interfacce esposte agli altri gruppi</a:t>
             </a:r>
           </a:p>
@@ -8205,19 +8349,13 @@
       </p:sp>
       <p:pic>
         <p:nvPicPr>
-          <p:cNvPr id="9" name="Immagine 8">
-            <a:extLst>
-              <a:ext uri="{FF2B5EF4-FFF2-40B4-BE49-F238E27FC236}">
-                <a16:creationId xmlns:a16="http://schemas.microsoft.com/office/drawing/2014/main" id="{105875F7-08A7-41F6-8E9E-2CA60BC2AA75}"/>
-              </a:ext>
-            </a:extLst>
-          </p:cNvPr>
+          <p:cNvPr id="2050" name="Picture 2" descr="C:\Users\User\Desktop\room.png"/>
           <p:cNvPicPr>
-            <a:picLocks noChangeAspect="1"/>
+            <a:picLocks noChangeAspect="1" noChangeArrowheads="1"/>
           </p:cNvPicPr>
           <p:nvPr/>
         </p:nvPicPr>
-        <p:blipFill rotWithShape="1">
+        <p:blipFill>
           <a:blip r:embed="rId2">
             <a:extLst>
               <a:ext uri="{28A0092B-C50C-407E-A947-70E740481C1C}">
@@ -8225,23 +8363,35 @@
               </a:ext>
             </a:extLst>
           </a:blip>
-          <a:srcRect b="60317"/>
-          <a:stretch/>
+          <a:srcRect/>
+          <a:stretch>
+            <a:fillRect/>
+          </a:stretch>
         </p:blipFill>
-        <p:spPr>
-          <a:xfrm>
-            <a:off x="497401" y="4725144"/>
-            <a:ext cx="7530983" cy="1584176"/>
+        <p:spPr bwMode="auto">
+          <a:xfrm>
+            <a:off x="4355976" y="1744973"/>
+            <a:ext cx="4119835" cy="3721586"/>
           </a:xfrm>
           <a:prstGeom prst="rect">
             <a:avLst/>
           </a:prstGeom>
+          <a:noFill/>
+          <a:extLst>
+            <a:ext uri="{909E8E84-426E-40DD-AFC4-6F175D3DCCD1}">
+              <a14:hiddenFill xmlns:a14="http://schemas.microsoft.com/office/drawing/2010/main">
+                <a:solidFill>
+                  <a:srgbClr val="FFFFFF"/>
+                </a:solidFill>
+              </a14:hiddenFill>
+            </a:ext>
+          </a:extLst>
         </p:spPr>
       </p:pic>
     </p:spTree>
     <p:extLst>
       <p:ext uri="{BB962C8B-B14F-4D97-AF65-F5344CB8AC3E}">
-        <p14:creationId xmlns:p14="http://schemas.microsoft.com/office/powerpoint/2010/main" val="3782596961"/>
+        <p14:creationId xmlns:p14="http://schemas.microsoft.com/office/powerpoint/2010/main" val="2878445438"/>
       </p:ext>
     </p:extLst>
   </p:cSld>
